--- a/PowerPoint/pptx_template.pptx
+++ b/PowerPoint/pptx_template.pptx
@@ -5,7 +5,7 @@
     <p:sldMasterId id="2147483648" r:id="rId1"/>
   </p:sldMasterIdLst>
   <p:notesMasterIdLst>
-    <p:notesMasterId r:id="rId8"/>
+    <p:notesMasterId r:id="rId9"/>
   </p:notesMasterIdLst>
   <p:sldIdLst>
     <p:sldId id="256" r:id="rId2"/>
@@ -13,24 +13,25 @@
     <p:sldId id="273" r:id="rId4"/>
     <p:sldId id="277" r:id="rId5"/>
     <p:sldId id="278" r:id="rId6"/>
-    <p:sldId id="285" r:id="rId7"/>
+    <p:sldId id="286" r:id="rId7"/>
+    <p:sldId id="285" r:id="rId8"/>
   </p:sldIdLst>
   <p:sldSz cx="24384000" cy="13716000"/>
   <p:notesSz cx="6858000" cy="9144000"/>
   <p:embeddedFontLst>
     <p:embeddedFont>
       <p:font typeface="Helvetica Neue" panose="020B0604020202020204" charset="0"/>
-      <p:regular r:id="rId9"/>
-      <p:bold r:id="rId10"/>
-      <p:italic r:id="rId11"/>
-      <p:boldItalic r:id="rId12"/>
+      <p:regular r:id="rId10"/>
+      <p:bold r:id="rId11"/>
+      <p:italic r:id="rId12"/>
+      <p:boldItalic r:id="rId13"/>
     </p:embeddedFont>
     <p:embeddedFont>
       <p:font typeface="Helvetica Neue Light" panose="020B0604020202020204" charset="0"/>
-      <p:regular r:id="rId13"/>
-      <p:bold r:id="rId14"/>
-      <p:italic r:id="rId15"/>
-      <p:boldItalic r:id="rId16"/>
+      <p:regular r:id="rId14"/>
+      <p:bold r:id="rId15"/>
+      <p:italic r:id="rId16"/>
+      <p:boldItalic r:id="rId17"/>
     </p:embeddedFont>
   </p:embeddedFontLst>
   <p:defaultTextStyle>
@@ -1355,6 +1356,127 @@
 </file>
 
 <file path=ppt/notesSlides/notesSlide6.xml><?xml version="1.0" encoding="utf-8"?>
+<p:notes xmlns:a="http://schemas.openxmlformats.org/drawingml/2006/main" xmlns:r="http://schemas.openxmlformats.org/officeDocument/2006/relationships" xmlns:p="http://schemas.openxmlformats.org/presentationml/2006/main" showMasterSp="0" showMasterPhAnim="0">
+  <p:cSld>
+    <p:spTree>
+      <p:nvGrpSpPr>
+        <p:cNvPr id="1" name="Shape 137"/>
+        <p:cNvGrpSpPr/>
+        <p:nvPr/>
+      </p:nvGrpSpPr>
+      <p:grpSpPr>
+        <a:xfrm>
+          <a:off x="0" y="0"/>
+          <a:ext cx="0" cy="0"/>
+          <a:chOff x="0" y="0"/>
+          <a:chExt cx="0" cy="0"/>
+        </a:xfrm>
+      </p:grpSpPr>
+      <p:sp>
+        <p:nvSpPr>
+          <p:cNvPr id="138" name="Google Shape;138;p27:notes"/>
+          <p:cNvSpPr txBox="1">
+            <a:spLocks noGrp="1"/>
+          </p:cNvSpPr>
+          <p:nvPr>
+            <p:ph type="body" idx="1"/>
+          </p:nvPr>
+        </p:nvSpPr>
+        <p:spPr>
+          <a:xfrm>
+            <a:off x="914400" y="4343400"/>
+            <a:ext cx="5029200" cy="4114800"/>
+          </a:xfrm>
+          <a:prstGeom prst="rect">
+            <a:avLst/>
+          </a:prstGeom>
+          <a:noFill/>
+          <a:ln>
+            <a:noFill/>
+          </a:ln>
+        </p:spPr>
+        <p:txBody>
+          <a:bodyPr spcFirstLastPara="1" wrap="square" lIns="91425" tIns="45700" rIns="91425" bIns="45700" anchor="t" anchorCtr="0">
+            <a:noAutofit/>
+          </a:bodyPr>
+          <a:lstStyle/>
+          <a:p>
+            <a:pPr marL="0" lvl="0" indent="0" algn="l" rtl="0">
+              <a:lnSpc>
+                <a:spcPct val="117999"/>
+              </a:lnSpc>
+              <a:spcBef>
+                <a:spcPts val="0"/>
+              </a:spcBef>
+              <a:spcAft>
+                <a:spcPts val="0"/>
+              </a:spcAft>
+              <a:buSzPts val="1400"/>
+              <a:buNone/>
+            </a:pPr>
+            <a:endParaRPr/>
+          </a:p>
+        </p:txBody>
+      </p:sp>
+      <p:sp>
+        <p:nvSpPr>
+          <p:cNvPr id="139" name="Google Shape;139;p27:notes"/>
+          <p:cNvSpPr>
+            <a:spLocks noGrp="1" noRot="1" noChangeAspect="1"/>
+          </p:cNvSpPr>
+          <p:nvPr>
+            <p:ph type="sldImg" idx="2"/>
+          </p:nvPr>
+        </p:nvSpPr>
+        <p:spPr>
+          <a:xfrm>
+            <a:off x="381000" y="685800"/>
+            <a:ext cx="6096000" cy="3429000"/>
+          </a:xfrm>
+          <a:custGeom>
+            <a:avLst/>
+            <a:gdLst/>
+            <a:ahLst/>
+            <a:cxnLst/>
+            <a:rect l="l" t="t" r="r" b="b"/>
+            <a:pathLst>
+              <a:path w="120000" h="120000" extrusionOk="0">
+                <a:moveTo>
+                  <a:pt x="0" y="0"/>
+                </a:moveTo>
+                <a:lnTo>
+                  <a:pt x="120000" y="0"/>
+                </a:lnTo>
+                <a:lnTo>
+                  <a:pt x="120000" y="120000"/>
+                </a:lnTo>
+                <a:lnTo>
+                  <a:pt x="0" y="120000"/>
+                </a:lnTo>
+                <a:close/>
+              </a:path>
+            </a:pathLst>
+          </a:custGeom>
+          <a:noFill/>
+          <a:ln>
+            <a:noFill/>
+          </a:ln>
+        </p:spPr>
+      </p:sp>
+    </p:spTree>
+    <p:extLst>
+      <p:ext uri="{BB962C8B-B14F-4D97-AF65-F5344CB8AC3E}">
+        <p14:creationId xmlns:p14="http://schemas.microsoft.com/office/powerpoint/2010/main" val="303115628"/>
+      </p:ext>
+    </p:extLst>
+  </p:cSld>
+  <p:clrMapOvr>
+    <a:masterClrMapping/>
+  </p:clrMapOvr>
+</p:notes>
+</file>
+
+<file path=ppt/notesSlides/notesSlide7.xml><?xml version="1.0" encoding="utf-8"?>
 <p:notes xmlns:a="http://schemas.openxmlformats.org/drawingml/2006/main" xmlns:r="http://schemas.openxmlformats.org/officeDocument/2006/relationships" xmlns:p="http://schemas.openxmlformats.org/presentationml/2006/main" showMasterSp="0" showMasterPhAnim="0">
   <p:cSld>
     <p:spTree>
@@ -12201,18 +12323,10 @@
           <a:bodyPr rtlCol="0" anchor="ctr"/>
           <a:lstStyle/>
           <a:p>
-            <a:pPr algn="ctr"/>
             <a:r>
-              <a:rPr lang="en-US" dirty="0">
-                <a:solidFill>
-                  <a:srgbClr val="25222C"/>
-                </a:solidFill>
-                <a:ea typeface="Arial"/>
-                <a:cs typeface="Arial"/>
-              </a:rPr>
-              <a:t>{{descript_picture2}}</a:t>
+              <a:rPr lang="en-US" dirty="0"/>
+              <a:t>{{picture1}}</a:t>
             </a:r>
-            <a:endParaRPr lang="ru-RU" dirty="0"/>
           </a:p>
         </p:txBody>
       </p:sp>
@@ -12251,28 +12365,10 @@
           <a:bodyPr rtlCol="0" anchor="ctr"/>
           <a:lstStyle/>
           <a:p>
-            <a:pPr lvl="0" algn="ctr"/>
             <a:r>
-              <a:rPr lang="en-US" dirty="0">
-                <a:solidFill>
-                  <a:srgbClr val="25222C"/>
-                </a:solidFill>
-                <a:ea typeface="Arial"/>
-                <a:cs typeface="Arial"/>
-              </a:rPr>
-              <a:t>{{descript_picture1</a:t>
+              <a:rPr lang="en-US" dirty="0"/>
+              <a:t>{{picture1}}</a:t>
             </a:r>
-            <a:r>
-              <a:rPr lang="en-US" dirty="0" smtClean="0">
-                <a:solidFill>
-                  <a:srgbClr val="25222C"/>
-                </a:solidFill>
-                <a:ea typeface="Arial"/>
-                <a:cs typeface="Arial"/>
-              </a:rPr>
-              <a:t>}}</a:t>
-            </a:r>
-            <a:endParaRPr lang="en-US" dirty="0"/>
           </a:p>
         </p:txBody>
       </p:sp>
@@ -12400,6 +12496,578 @@
           </a:ln>
         </p:spPr>
       </p:pic>
+      <p:sp>
+        <p:nvSpPr>
+          <p:cNvPr id="7" name="Google Shape;740;p23"/>
+          <p:cNvSpPr txBox="1"/>
+          <p:nvPr/>
+        </p:nvSpPr>
+        <p:spPr>
+          <a:xfrm>
+            <a:off x="1361889" y="10435922"/>
+            <a:ext cx="8039101" cy="410369"/>
+          </a:xfrm>
+          <a:prstGeom prst="rect">
+            <a:avLst/>
+          </a:prstGeom>
+          <a:noFill/>
+          <a:ln>
+            <a:noFill/>
+          </a:ln>
+        </p:spPr>
+        <p:txBody>
+          <a:bodyPr spcFirstLastPara="1" wrap="square" lIns="50800" tIns="50800" rIns="50800" bIns="50800" anchor="ctr" anchorCtr="0">
+            <a:spAutoFit/>
+          </a:bodyPr>
+          <a:lstStyle>
+            <a:defPPr marR="0" lvl="0" algn="l" rtl="0">
+              <a:lnSpc>
+                <a:spcPct val="100000"/>
+              </a:lnSpc>
+              <a:spcBef>
+                <a:spcPts val="0"/>
+              </a:spcBef>
+              <a:spcAft>
+                <a:spcPts val="0"/>
+              </a:spcAft>
+            </a:defPPr>
+            <a:lvl1pPr marR="0" lvl="0" algn="l" rtl="0">
+              <a:lnSpc>
+                <a:spcPct val="100000"/>
+              </a:lnSpc>
+              <a:spcBef>
+                <a:spcPts val="0"/>
+              </a:spcBef>
+              <a:spcAft>
+                <a:spcPts val="0"/>
+              </a:spcAft>
+              <a:buClr>
+                <a:srgbClr val="000000"/>
+              </a:buClr>
+              <a:buFont typeface="Arial"/>
+              <a:defRPr sz="1400" b="0" i="0" u="none" strike="noStrike" cap="none">
+                <a:solidFill>
+                  <a:srgbClr val="000000"/>
+                </a:solidFill>
+                <a:latin typeface="Arial"/>
+                <a:ea typeface="Arial"/>
+                <a:cs typeface="Arial"/>
+                <a:sym typeface="Arial"/>
+              </a:defRPr>
+            </a:lvl1pPr>
+            <a:lvl2pPr marR="0" lvl="1" algn="l" rtl="0">
+              <a:lnSpc>
+                <a:spcPct val="100000"/>
+              </a:lnSpc>
+              <a:spcBef>
+                <a:spcPts val="0"/>
+              </a:spcBef>
+              <a:spcAft>
+                <a:spcPts val="0"/>
+              </a:spcAft>
+              <a:buClr>
+                <a:srgbClr val="000000"/>
+              </a:buClr>
+              <a:buFont typeface="Arial"/>
+              <a:defRPr sz="1400" b="0" i="0" u="none" strike="noStrike" cap="none">
+                <a:solidFill>
+                  <a:srgbClr val="000000"/>
+                </a:solidFill>
+                <a:latin typeface="Arial"/>
+                <a:ea typeface="Arial"/>
+                <a:cs typeface="Arial"/>
+                <a:sym typeface="Arial"/>
+              </a:defRPr>
+            </a:lvl2pPr>
+            <a:lvl3pPr marR="0" lvl="2" algn="l" rtl="0">
+              <a:lnSpc>
+                <a:spcPct val="100000"/>
+              </a:lnSpc>
+              <a:spcBef>
+                <a:spcPts val="0"/>
+              </a:spcBef>
+              <a:spcAft>
+                <a:spcPts val="0"/>
+              </a:spcAft>
+              <a:buClr>
+                <a:srgbClr val="000000"/>
+              </a:buClr>
+              <a:buFont typeface="Arial"/>
+              <a:defRPr sz="1400" b="0" i="0" u="none" strike="noStrike" cap="none">
+                <a:solidFill>
+                  <a:srgbClr val="000000"/>
+                </a:solidFill>
+                <a:latin typeface="Arial"/>
+                <a:ea typeface="Arial"/>
+                <a:cs typeface="Arial"/>
+                <a:sym typeface="Arial"/>
+              </a:defRPr>
+            </a:lvl3pPr>
+            <a:lvl4pPr marR="0" lvl="3" algn="l" rtl="0">
+              <a:lnSpc>
+                <a:spcPct val="100000"/>
+              </a:lnSpc>
+              <a:spcBef>
+                <a:spcPts val="0"/>
+              </a:spcBef>
+              <a:spcAft>
+                <a:spcPts val="0"/>
+              </a:spcAft>
+              <a:buClr>
+                <a:srgbClr val="000000"/>
+              </a:buClr>
+              <a:buFont typeface="Arial"/>
+              <a:defRPr sz="1400" b="0" i="0" u="none" strike="noStrike" cap="none">
+                <a:solidFill>
+                  <a:srgbClr val="000000"/>
+                </a:solidFill>
+                <a:latin typeface="Arial"/>
+                <a:ea typeface="Arial"/>
+                <a:cs typeface="Arial"/>
+                <a:sym typeface="Arial"/>
+              </a:defRPr>
+            </a:lvl4pPr>
+            <a:lvl5pPr marR="0" lvl="4" algn="l" rtl="0">
+              <a:lnSpc>
+                <a:spcPct val="100000"/>
+              </a:lnSpc>
+              <a:spcBef>
+                <a:spcPts val="0"/>
+              </a:spcBef>
+              <a:spcAft>
+                <a:spcPts val="0"/>
+              </a:spcAft>
+              <a:buClr>
+                <a:srgbClr val="000000"/>
+              </a:buClr>
+              <a:buFont typeface="Arial"/>
+              <a:defRPr sz="1400" b="0" i="0" u="none" strike="noStrike" cap="none">
+                <a:solidFill>
+                  <a:srgbClr val="000000"/>
+                </a:solidFill>
+                <a:latin typeface="Arial"/>
+                <a:ea typeface="Arial"/>
+                <a:cs typeface="Arial"/>
+                <a:sym typeface="Arial"/>
+              </a:defRPr>
+            </a:lvl5pPr>
+            <a:lvl6pPr marR="0" lvl="5" algn="l" rtl="0">
+              <a:lnSpc>
+                <a:spcPct val="100000"/>
+              </a:lnSpc>
+              <a:spcBef>
+                <a:spcPts val="0"/>
+              </a:spcBef>
+              <a:spcAft>
+                <a:spcPts val="0"/>
+              </a:spcAft>
+              <a:buClr>
+                <a:srgbClr val="000000"/>
+              </a:buClr>
+              <a:buFont typeface="Arial"/>
+              <a:defRPr sz="1400" b="0" i="0" u="none" strike="noStrike" cap="none">
+                <a:solidFill>
+                  <a:srgbClr val="000000"/>
+                </a:solidFill>
+                <a:latin typeface="Arial"/>
+                <a:ea typeface="Arial"/>
+                <a:cs typeface="Arial"/>
+                <a:sym typeface="Arial"/>
+              </a:defRPr>
+            </a:lvl6pPr>
+            <a:lvl7pPr marR="0" lvl="6" algn="l" rtl="0">
+              <a:lnSpc>
+                <a:spcPct val="100000"/>
+              </a:lnSpc>
+              <a:spcBef>
+                <a:spcPts val="0"/>
+              </a:spcBef>
+              <a:spcAft>
+                <a:spcPts val="0"/>
+              </a:spcAft>
+              <a:buClr>
+                <a:srgbClr val="000000"/>
+              </a:buClr>
+              <a:buFont typeface="Arial"/>
+              <a:defRPr sz="1400" b="0" i="0" u="none" strike="noStrike" cap="none">
+                <a:solidFill>
+                  <a:srgbClr val="000000"/>
+                </a:solidFill>
+                <a:latin typeface="Arial"/>
+                <a:ea typeface="Arial"/>
+                <a:cs typeface="Arial"/>
+                <a:sym typeface="Arial"/>
+              </a:defRPr>
+            </a:lvl7pPr>
+            <a:lvl8pPr marR="0" lvl="7" algn="l" rtl="0">
+              <a:lnSpc>
+                <a:spcPct val="100000"/>
+              </a:lnSpc>
+              <a:spcBef>
+                <a:spcPts val="0"/>
+              </a:spcBef>
+              <a:spcAft>
+                <a:spcPts val="0"/>
+              </a:spcAft>
+              <a:buClr>
+                <a:srgbClr val="000000"/>
+              </a:buClr>
+              <a:buFont typeface="Arial"/>
+              <a:defRPr sz="1400" b="0" i="0" u="none" strike="noStrike" cap="none">
+                <a:solidFill>
+                  <a:srgbClr val="000000"/>
+                </a:solidFill>
+                <a:latin typeface="Arial"/>
+                <a:ea typeface="Arial"/>
+                <a:cs typeface="Arial"/>
+                <a:sym typeface="Arial"/>
+              </a:defRPr>
+            </a:lvl8pPr>
+            <a:lvl9pPr marR="0" lvl="8" algn="l" rtl="0">
+              <a:lnSpc>
+                <a:spcPct val="100000"/>
+              </a:lnSpc>
+              <a:spcBef>
+                <a:spcPts val="0"/>
+              </a:spcBef>
+              <a:spcAft>
+                <a:spcPts val="0"/>
+              </a:spcAft>
+              <a:buClr>
+                <a:srgbClr val="000000"/>
+              </a:buClr>
+              <a:buFont typeface="Arial"/>
+              <a:defRPr sz="1400" b="0" i="0" u="none" strike="noStrike" cap="none">
+                <a:solidFill>
+                  <a:srgbClr val="000000"/>
+                </a:solidFill>
+                <a:latin typeface="Arial"/>
+                <a:ea typeface="Arial"/>
+                <a:cs typeface="Arial"/>
+                <a:sym typeface="Arial"/>
+              </a:defRPr>
+            </a:lvl9pPr>
+          </a:lstStyle>
+          <a:p>
+            <a:pPr marL="0" marR="0" lvl="0" indent="0" algn="l" rtl="0">
+              <a:lnSpc>
+                <a:spcPct val="100000"/>
+              </a:lnSpc>
+              <a:spcBef>
+                <a:spcPts val="0"/>
+              </a:spcBef>
+              <a:spcAft>
+                <a:spcPts val="0"/>
+              </a:spcAft>
+              <a:buClr>
+                <a:srgbClr val="25222C"/>
+              </a:buClr>
+              <a:buSzPts val="2000"/>
+              <a:buFont typeface="Arial"/>
+              <a:buNone/>
+            </a:pPr>
+            <a:r>
+              <a:rPr lang="en-US" sz="2000" b="0" i="0" u="none" strike="noStrike" cap="none" dirty="0">
+                <a:solidFill>
+                  <a:srgbClr val="25222C"/>
+                </a:solidFill>
+                <a:latin typeface="Arial"/>
+                <a:ea typeface="Arial"/>
+                <a:cs typeface="Arial"/>
+                <a:sym typeface="Arial"/>
+              </a:rPr>
+              <a:t>{{descript_picture1}}</a:t>
+            </a:r>
+            <a:endParaRPr lang="en-US" sz="2000" dirty="0"/>
+          </a:p>
+        </p:txBody>
+      </p:sp>
+      <p:sp>
+        <p:nvSpPr>
+          <p:cNvPr id="8" name="Google Shape;741;p23"/>
+          <p:cNvSpPr txBox="1"/>
+          <p:nvPr/>
+        </p:nvSpPr>
+        <p:spPr>
+          <a:xfrm>
+            <a:off x="12545501" y="10435922"/>
+            <a:ext cx="8039101" cy="410369"/>
+          </a:xfrm>
+          <a:prstGeom prst="rect">
+            <a:avLst/>
+          </a:prstGeom>
+          <a:noFill/>
+          <a:ln>
+            <a:noFill/>
+          </a:ln>
+        </p:spPr>
+        <p:txBody>
+          <a:bodyPr spcFirstLastPara="1" wrap="square" lIns="50800" tIns="50800" rIns="50800" bIns="50800" anchor="ctr" anchorCtr="0">
+            <a:spAutoFit/>
+          </a:bodyPr>
+          <a:lstStyle>
+            <a:defPPr marR="0" lvl="0" algn="l" rtl="0">
+              <a:lnSpc>
+                <a:spcPct val="100000"/>
+              </a:lnSpc>
+              <a:spcBef>
+                <a:spcPts val="0"/>
+              </a:spcBef>
+              <a:spcAft>
+                <a:spcPts val="0"/>
+              </a:spcAft>
+            </a:defPPr>
+            <a:lvl1pPr marR="0" lvl="0" algn="l" rtl="0">
+              <a:lnSpc>
+                <a:spcPct val="100000"/>
+              </a:lnSpc>
+              <a:spcBef>
+                <a:spcPts val="0"/>
+              </a:spcBef>
+              <a:spcAft>
+                <a:spcPts val="0"/>
+              </a:spcAft>
+              <a:buClr>
+                <a:srgbClr val="000000"/>
+              </a:buClr>
+              <a:buFont typeface="Arial"/>
+              <a:defRPr sz="1400" b="0" i="0" u="none" strike="noStrike" cap="none">
+                <a:solidFill>
+                  <a:srgbClr val="000000"/>
+                </a:solidFill>
+                <a:latin typeface="Arial"/>
+                <a:ea typeface="Arial"/>
+                <a:cs typeface="Arial"/>
+                <a:sym typeface="Arial"/>
+              </a:defRPr>
+            </a:lvl1pPr>
+            <a:lvl2pPr marR="0" lvl="1" algn="l" rtl="0">
+              <a:lnSpc>
+                <a:spcPct val="100000"/>
+              </a:lnSpc>
+              <a:spcBef>
+                <a:spcPts val="0"/>
+              </a:spcBef>
+              <a:spcAft>
+                <a:spcPts val="0"/>
+              </a:spcAft>
+              <a:buClr>
+                <a:srgbClr val="000000"/>
+              </a:buClr>
+              <a:buFont typeface="Arial"/>
+              <a:defRPr sz="1400" b="0" i="0" u="none" strike="noStrike" cap="none">
+                <a:solidFill>
+                  <a:srgbClr val="000000"/>
+                </a:solidFill>
+                <a:latin typeface="Arial"/>
+                <a:ea typeface="Arial"/>
+                <a:cs typeface="Arial"/>
+                <a:sym typeface="Arial"/>
+              </a:defRPr>
+            </a:lvl2pPr>
+            <a:lvl3pPr marR="0" lvl="2" algn="l" rtl="0">
+              <a:lnSpc>
+                <a:spcPct val="100000"/>
+              </a:lnSpc>
+              <a:spcBef>
+                <a:spcPts val="0"/>
+              </a:spcBef>
+              <a:spcAft>
+                <a:spcPts val="0"/>
+              </a:spcAft>
+              <a:buClr>
+                <a:srgbClr val="000000"/>
+              </a:buClr>
+              <a:buFont typeface="Arial"/>
+              <a:defRPr sz="1400" b="0" i="0" u="none" strike="noStrike" cap="none">
+                <a:solidFill>
+                  <a:srgbClr val="000000"/>
+                </a:solidFill>
+                <a:latin typeface="Arial"/>
+                <a:ea typeface="Arial"/>
+                <a:cs typeface="Arial"/>
+                <a:sym typeface="Arial"/>
+              </a:defRPr>
+            </a:lvl3pPr>
+            <a:lvl4pPr marR="0" lvl="3" algn="l" rtl="0">
+              <a:lnSpc>
+                <a:spcPct val="100000"/>
+              </a:lnSpc>
+              <a:spcBef>
+                <a:spcPts val="0"/>
+              </a:spcBef>
+              <a:spcAft>
+                <a:spcPts val="0"/>
+              </a:spcAft>
+              <a:buClr>
+                <a:srgbClr val="000000"/>
+              </a:buClr>
+              <a:buFont typeface="Arial"/>
+              <a:defRPr sz="1400" b="0" i="0" u="none" strike="noStrike" cap="none">
+                <a:solidFill>
+                  <a:srgbClr val="000000"/>
+                </a:solidFill>
+                <a:latin typeface="Arial"/>
+                <a:ea typeface="Arial"/>
+                <a:cs typeface="Arial"/>
+                <a:sym typeface="Arial"/>
+              </a:defRPr>
+            </a:lvl4pPr>
+            <a:lvl5pPr marR="0" lvl="4" algn="l" rtl="0">
+              <a:lnSpc>
+                <a:spcPct val="100000"/>
+              </a:lnSpc>
+              <a:spcBef>
+                <a:spcPts val="0"/>
+              </a:spcBef>
+              <a:spcAft>
+                <a:spcPts val="0"/>
+              </a:spcAft>
+              <a:buClr>
+                <a:srgbClr val="000000"/>
+              </a:buClr>
+              <a:buFont typeface="Arial"/>
+              <a:defRPr sz="1400" b="0" i="0" u="none" strike="noStrike" cap="none">
+                <a:solidFill>
+                  <a:srgbClr val="000000"/>
+                </a:solidFill>
+                <a:latin typeface="Arial"/>
+                <a:ea typeface="Arial"/>
+                <a:cs typeface="Arial"/>
+                <a:sym typeface="Arial"/>
+              </a:defRPr>
+            </a:lvl5pPr>
+            <a:lvl6pPr marR="0" lvl="5" algn="l" rtl="0">
+              <a:lnSpc>
+                <a:spcPct val="100000"/>
+              </a:lnSpc>
+              <a:spcBef>
+                <a:spcPts val="0"/>
+              </a:spcBef>
+              <a:spcAft>
+                <a:spcPts val="0"/>
+              </a:spcAft>
+              <a:buClr>
+                <a:srgbClr val="000000"/>
+              </a:buClr>
+              <a:buFont typeface="Arial"/>
+              <a:defRPr sz="1400" b="0" i="0" u="none" strike="noStrike" cap="none">
+                <a:solidFill>
+                  <a:srgbClr val="000000"/>
+                </a:solidFill>
+                <a:latin typeface="Arial"/>
+                <a:ea typeface="Arial"/>
+                <a:cs typeface="Arial"/>
+                <a:sym typeface="Arial"/>
+              </a:defRPr>
+            </a:lvl6pPr>
+            <a:lvl7pPr marR="0" lvl="6" algn="l" rtl="0">
+              <a:lnSpc>
+                <a:spcPct val="100000"/>
+              </a:lnSpc>
+              <a:spcBef>
+                <a:spcPts val="0"/>
+              </a:spcBef>
+              <a:spcAft>
+                <a:spcPts val="0"/>
+              </a:spcAft>
+              <a:buClr>
+                <a:srgbClr val="000000"/>
+              </a:buClr>
+              <a:buFont typeface="Arial"/>
+              <a:defRPr sz="1400" b="0" i="0" u="none" strike="noStrike" cap="none">
+                <a:solidFill>
+                  <a:srgbClr val="000000"/>
+                </a:solidFill>
+                <a:latin typeface="Arial"/>
+                <a:ea typeface="Arial"/>
+                <a:cs typeface="Arial"/>
+                <a:sym typeface="Arial"/>
+              </a:defRPr>
+            </a:lvl7pPr>
+            <a:lvl8pPr marR="0" lvl="7" algn="l" rtl="0">
+              <a:lnSpc>
+                <a:spcPct val="100000"/>
+              </a:lnSpc>
+              <a:spcBef>
+                <a:spcPts val="0"/>
+              </a:spcBef>
+              <a:spcAft>
+                <a:spcPts val="0"/>
+              </a:spcAft>
+              <a:buClr>
+                <a:srgbClr val="000000"/>
+              </a:buClr>
+              <a:buFont typeface="Arial"/>
+              <a:defRPr sz="1400" b="0" i="0" u="none" strike="noStrike" cap="none">
+                <a:solidFill>
+                  <a:srgbClr val="000000"/>
+                </a:solidFill>
+                <a:latin typeface="Arial"/>
+                <a:ea typeface="Arial"/>
+                <a:cs typeface="Arial"/>
+                <a:sym typeface="Arial"/>
+              </a:defRPr>
+            </a:lvl8pPr>
+            <a:lvl9pPr marR="0" lvl="8" algn="l" rtl="0">
+              <a:lnSpc>
+                <a:spcPct val="100000"/>
+              </a:lnSpc>
+              <a:spcBef>
+                <a:spcPts val="0"/>
+              </a:spcBef>
+              <a:spcAft>
+                <a:spcPts val="0"/>
+              </a:spcAft>
+              <a:buClr>
+                <a:srgbClr val="000000"/>
+              </a:buClr>
+              <a:buFont typeface="Arial"/>
+              <a:defRPr sz="1400" b="0" i="0" u="none" strike="noStrike" cap="none">
+                <a:solidFill>
+                  <a:srgbClr val="000000"/>
+                </a:solidFill>
+                <a:latin typeface="Arial"/>
+                <a:ea typeface="Arial"/>
+                <a:cs typeface="Arial"/>
+                <a:sym typeface="Arial"/>
+              </a:defRPr>
+            </a:lvl9pPr>
+          </a:lstStyle>
+          <a:p>
+            <a:pPr marL="0" marR="0" lvl="0" indent="0" algn="l" rtl="0">
+              <a:lnSpc>
+                <a:spcPct val="100000"/>
+              </a:lnSpc>
+              <a:spcBef>
+                <a:spcPts val="0"/>
+              </a:spcBef>
+              <a:spcAft>
+                <a:spcPts val="0"/>
+              </a:spcAft>
+              <a:buClr>
+                <a:srgbClr val="25222C"/>
+              </a:buClr>
+              <a:buSzPts val="2000"/>
+              <a:buFont typeface="Arial"/>
+              <a:buNone/>
+            </a:pPr>
+            <a:r>
+              <a:rPr lang="en-US" sz="2000" b="0" i="0" u="none" strike="noStrike" cap="none" dirty="0">
+                <a:solidFill>
+                  <a:srgbClr val="25222C"/>
+                </a:solidFill>
+                <a:latin typeface="Arial"/>
+                <a:ea typeface="Arial"/>
+                <a:cs typeface="Arial"/>
+                <a:sym typeface="Arial"/>
+              </a:rPr>
+              <a:t>{{descript_picture2}}</a:t>
+            </a:r>
+            <a:endParaRPr dirty="0"/>
+          </a:p>
+        </p:txBody>
+      </p:sp>
     </p:spTree>
   </p:cSld>
   <p:clrMapOvr>
@@ -12409,6 +13077,715 @@
 </file>
 
 <file path=ppt/slides/slide6.xml><?xml version="1.0" encoding="utf-8"?>
+<p:sld xmlns:a="http://schemas.openxmlformats.org/drawingml/2006/main" xmlns:r="http://schemas.openxmlformats.org/officeDocument/2006/relationships" xmlns:p="http://schemas.openxmlformats.org/presentationml/2006/main">
+  <p:cSld>
+    <p:spTree>
+      <p:nvGrpSpPr>
+        <p:cNvPr id="1" name="Shape 140"/>
+        <p:cNvGrpSpPr/>
+        <p:nvPr/>
+      </p:nvGrpSpPr>
+      <p:grpSpPr>
+        <a:xfrm>
+          <a:off x="0" y="0"/>
+          <a:ext cx="0" cy="0"/>
+          <a:chOff x="0" y="0"/>
+          <a:chExt cx="0" cy="0"/>
+        </a:xfrm>
+      </p:grpSpPr>
+      <p:pic>
+        <p:nvPicPr>
+          <p:cNvPr id="141" name="Google Shape;141;p27" descr="Slide 14.pdf"/>
+          <p:cNvPicPr preferRelativeResize="0"/>
+          <p:nvPr/>
+        </p:nvPicPr>
+        <p:blipFill rotWithShape="1">
+          <a:blip r:embed="rId3">
+            <a:alphaModFix/>
+          </a:blip>
+          <a:srcRect/>
+          <a:stretch/>
+        </p:blipFill>
+        <p:spPr>
+          <a:xfrm>
+            <a:off x="0" y="0"/>
+            <a:ext cx="24384000" cy="13716000"/>
+          </a:xfrm>
+          <a:prstGeom prst="rect">
+            <a:avLst/>
+          </a:prstGeom>
+          <a:noFill/>
+          <a:ln>
+            <a:noFill/>
+          </a:ln>
+        </p:spPr>
+      </p:pic>
+      <p:pic>
+        <p:nvPicPr>
+          <p:cNvPr id="142" name="Google Shape;142;p27" descr="Rectangle 2.png"/>
+          <p:cNvPicPr preferRelativeResize="0"/>
+          <p:nvPr/>
+        </p:nvPicPr>
+        <p:blipFill rotWithShape="1">
+          <a:blip r:embed="rId4">
+            <a:alphaModFix/>
+          </a:blip>
+          <a:srcRect/>
+          <a:stretch/>
+        </p:blipFill>
+        <p:spPr>
+          <a:xfrm>
+            <a:off x="1003300" y="1397000"/>
+            <a:ext cx="1270000" cy="101600"/>
+          </a:xfrm>
+          <a:prstGeom prst="rect">
+            <a:avLst/>
+          </a:prstGeom>
+          <a:noFill/>
+          <a:ln>
+            <a:noFill/>
+          </a:ln>
+        </p:spPr>
+      </p:pic>
+      <p:sp>
+        <p:nvSpPr>
+          <p:cNvPr id="143" name="Google Shape;143;p27"/>
+          <p:cNvSpPr txBox="1"/>
+          <p:nvPr/>
+        </p:nvSpPr>
+        <p:spPr>
+          <a:xfrm>
+            <a:off x="995375" y="584199"/>
+            <a:ext cx="5519400" cy="810600"/>
+          </a:xfrm>
+          <a:prstGeom prst="rect">
+            <a:avLst/>
+          </a:prstGeom>
+          <a:noFill/>
+          <a:ln>
+            <a:noFill/>
+          </a:ln>
+        </p:spPr>
+        <p:txBody>
+          <a:bodyPr spcFirstLastPara="1" wrap="square" lIns="50800" tIns="50800" rIns="50800" bIns="50800" anchor="ctr" anchorCtr="0">
+            <a:spAutoFit/>
+          </a:bodyPr>
+          <a:lstStyle/>
+          <a:p>
+            <a:pPr marL="0" marR="0" lvl="0" indent="0" algn="l" rtl="0">
+              <a:lnSpc>
+                <a:spcPct val="100000"/>
+              </a:lnSpc>
+              <a:spcBef>
+                <a:spcPts val="0"/>
+              </a:spcBef>
+              <a:spcAft>
+                <a:spcPts val="0"/>
+              </a:spcAft>
+              <a:buClr>
+                <a:srgbClr val="000000"/>
+              </a:buClr>
+              <a:buSzPts val="4600"/>
+              <a:buFont typeface="Arial"/>
+              <a:buNone/>
+            </a:pPr>
+            <a:r>
+              <a:rPr lang="ru-RU" sz="4600" b="0" i="0" u="none" strike="noStrike" cap="none" dirty="0">
+                <a:solidFill>
+                  <a:srgbClr val="000000"/>
+                </a:solidFill>
+                <a:latin typeface="Arial"/>
+                <a:ea typeface="Arial"/>
+                <a:cs typeface="Arial"/>
+                <a:sym typeface="Arial"/>
+              </a:rPr>
+              <a:t>Контакты</a:t>
+            </a:r>
+            <a:endParaRPr sz="1400" b="0" i="0" u="none" strike="noStrike" cap="none" dirty="0">
+              <a:solidFill>
+                <a:srgbClr val="000000"/>
+              </a:solidFill>
+              <a:latin typeface="Arial"/>
+              <a:ea typeface="Arial"/>
+              <a:cs typeface="Arial"/>
+              <a:sym typeface="Arial"/>
+            </a:endParaRPr>
+          </a:p>
+        </p:txBody>
+      </p:sp>
+      <p:pic>
+        <p:nvPicPr>
+          <p:cNvPr id="144" name="Google Shape;144;p27" descr="logo3.png"/>
+          <p:cNvPicPr preferRelativeResize="0"/>
+          <p:nvPr/>
+        </p:nvPicPr>
+        <p:blipFill rotWithShape="1">
+          <a:blip r:embed="rId5">
+            <a:alphaModFix/>
+          </a:blip>
+          <a:srcRect/>
+          <a:stretch/>
+        </p:blipFill>
+        <p:spPr>
+          <a:xfrm>
+            <a:off x="21196300" y="584200"/>
+            <a:ext cx="2181793" cy="1168400"/>
+          </a:xfrm>
+          <a:prstGeom prst="rect">
+            <a:avLst/>
+          </a:prstGeom>
+          <a:noFill/>
+          <a:ln>
+            <a:noFill/>
+          </a:ln>
+        </p:spPr>
+      </p:pic>
+      <p:sp>
+        <p:nvSpPr>
+          <p:cNvPr id="6" name="Google Shape;117;p6">
+            <a:extLst>
+              <a:ext uri="{FF2B5EF4-FFF2-40B4-BE49-F238E27FC236}">
+                <a16:creationId xmlns:a16="http://schemas.microsoft.com/office/drawing/2014/main" xmlns="" id="{FCDABD42-3434-4A4E-A543-5C88770123A1}"/>
+              </a:ext>
+            </a:extLst>
+          </p:cNvPr>
+          <p:cNvSpPr txBox="1"/>
+          <p:nvPr/>
+        </p:nvSpPr>
+        <p:spPr>
+          <a:xfrm>
+            <a:off x="1900116" y="1978998"/>
+            <a:ext cx="2977134" cy="410369"/>
+          </a:xfrm>
+          <a:prstGeom prst="rect">
+            <a:avLst/>
+          </a:prstGeom>
+          <a:noFill/>
+          <a:ln>
+            <a:noFill/>
+          </a:ln>
+        </p:spPr>
+        <p:txBody>
+          <a:bodyPr spcFirstLastPara="1" wrap="square" lIns="50800" tIns="50800" rIns="50800" bIns="50800" anchor="ctr" anchorCtr="0">
+            <a:spAutoFit/>
+          </a:bodyPr>
+          <a:lstStyle/>
+          <a:p>
+            <a:pPr marL="0" marR="0" lvl="0" indent="0" algn="l" rtl="0">
+              <a:lnSpc>
+                <a:spcPct val="100000"/>
+              </a:lnSpc>
+              <a:spcBef>
+                <a:spcPts val="0"/>
+              </a:spcBef>
+              <a:spcAft>
+                <a:spcPts val="0"/>
+              </a:spcAft>
+              <a:buClr>
+                <a:srgbClr val="25222C"/>
+              </a:buClr>
+              <a:buSzPts val="2000"/>
+              <a:buFont typeface="Arial"/>
+              <a:buNone/>
+            </a:pPr>
+            <a:r>
+              <a:rPr lang="en-US" sz="2000" dirty="0"/>
+              <a:t>{{mail}}</a:t>
+            </a:r>
+            <a:endParaRPr dirty="0"/>
+          </a:p>
+        </p:txBody>
+      </p:sp>
+      <p:sp>
+        <p:nvSpPr>
+          <p:cNvPr id="8" name="Google Shape;117;p6">
+            <a:extLst>
+              <a:ext uri="{FF2B5EF4-FFF2-40B4-BE49-F238E27FC236}">
+                <a16:creationId xmlns:a16="http://schemas.microsoft.com/office/drawing/2014/main" xmlns="" id="{D420058D-247B-44EB-9F88-DAB7F8184512}"/>
+              </a:ext>
+            </a:extLst>
+          </p:cNvPr>
+          <p:cNvSpPr txBox="1"/>
+          <p:nvPr/>
+        </p:nvSpPr>
+        <p:spPr>
+          <a:xfrm>
+            <a:off x="1900116" y="2563197"/>
+            <a:ext cx="2977134" cy="410369"/>
+          </a:xfrm>
+          <a:prstGeom prst="rect">
+            <a:avLst/>
+          </a:prstGeom>
+          <a:noFill/>
+          <a:ln>
+            <a:noFill/>
+          </a:ln>
+        </p:spPr>
+        <p:txBody>
+          <a:bodyPr spcFirstLastPara="1" wrap="square" lIns="50800" tIns="50800" rIns="50800" bIns="50800" anchor="ctr" anchorCtr="0">
+            <a:spAutoFit/>
+          </a:bodyPr>
+          <a:lstStyle/>
+          <a:p>
+            <a:pPr marL="0" marR="0" lvl="0" indent="0" algn="l" rtl="0">
+              <a:lnSpc>
+                <a:spcPct val="100000"/>
+              </a:lnSpc>
+              <a:spcBef>
+                <a:spcPts val="0"/>
+              </a:spcBef>
+              <a:spcAft>
+                <a:spcPts val="0"/>
+              </a:spcAft>
+              <a:buClr>
+                <a:srgbClr val="25222C"/>
+              </a:buClr>
+              <a:buSzPts val="2000"/>
+              <a:buFont typeface="Arial"/>
+              <a:buNone/>
+            </a:pPr>
+            <a:r>
+              <a:rPr lang="en-US" sz="2000" dirty="0"/>
+              <a:t>{{telephone}}</a:t>
+            </a:r>
+            <a:endParaRPr dirty="0"/>
+          </a:p>
+        </p:txBody>
+      </p:sp>
+      <p:sp>
+        <p:nvSpPr>
+          <p:cNvPr id="9" name="Google Shape;117;p6">
+            <a:extLst>
+              <a:ext uri="{FF2B5EF4-FFF2-40B4-BE49-F238E27FC236}">
+                <a16:creationId xmlns:a16="http://schemas.microsoft.com/office/drawing/2014/main" xmlns="" id="{09AD5D8B-A947-4AC1-BE0C-75BE8FA56AE7}"/>
+              </a:ext>
+            </a:extLst>
+          </p:cNvPr>
+          <p:cNvSpPr txBox="1"/>
+          <p:nvPr/>
+        </p:nvSpPr>
+        <p:spPr>
+          <a:xfrm>
+            <a:off x="1900116" y="3147396"/>
+            <a:ext cx="2977134" cy="410369"/>
+          </a:xfrm>
+          <a:prstGeom prst="rect">
+            <a:avLst/>
+          </a:prstGeom>
+          <a:noFill/>
+          <a:ln>
+            <a:noFill/>
+          </a:ln>
+        </p:spPr>
+        <p:txBody>
+          <a:bodyPr spcFirstLastPara="1" wrap="square" lIns="50800" tIns="50800" rIns="50800" bIns="50800" anchor="ctr" anchorCtr="0">
+            <a:spAutoFit/>
+          </a:bodyPr>
+          <a:lstStyle/>
+          <a:p>
+            <a:pPr marL="0" marR="0" lvl="0" indent="0" algn="l" rtl="0">
+              <a:lnSpc>
+                <a:spcPct val="100000"/>
+              </a:lnSpc>
+              <a:spcBef>
+                <a:spcPts val="0"/>
+              </a:spcBef>
+              <a:spcAft>
+                <a:spcPts val="0"/>
+              </a:spcAft>
+              <a:buClr>
+                <a:srgbClr val="25222C"/>
+              </a:buClr>
+              <a:buSzPts val="2000"/>
+              <a:buFont typeface="Arial"/>
+              <a:buNone/>
+            </a:pPr>
+            <a:r>
+              <a:rPr lang="en-US" sz="2000" dirty="0"/>
+              <a:t>{{messenger}}</a:t>
+            </a:r>
+            <a:endParaRPr dirty="0"/>
+          </a:p>
+        </p:txBody>
+      </p:sp>
+      <p:sp>
+        <p:nvSpPr>
+          <p:cNvPr id="2" name="Прямоугольник 1">
+            <a:extLst>
+              <a:ext uri="{FF2B5EF4-FFF2-40B4-BE49-F238E27FC236}">
+                <a16:creationId xmlns:a16="http://schemas.microsoft.com/office/drawing/2014/main" xmlns="" id="{BEE5781B-3F9B-4554-B617-4B94F36DC2EB}"/>
+              </a:ext>
+            </a:extLst>
+          </p:cNvPr>
+          <p:cNvSpPr/>
+          <p:nvPr/>
+        </p:nvSpPr>
+        <p:spPr>
+          <a:xfrm>
+            <a:off x="4089268" y="3970274"/>
+            <a:ext cx="2112635" cy="2887726"/>
+          </a:xfrm>
+          <a:prstGeom prst="rect">
+            <a:avLst/>
+          </a:prstGeom>
+        </p:spPr>
+        <p:style>
+          <a:lnRef idx="2">
+            <a:schemeClr val="accent1">
+              <a:shade val="50000"/>
+            </a:schemeClr>
+          </a:lnRef>
+          <a:fillRef idx="1">
+            <a:schemeClr val="accent1"/>
+          </a:fillRef>
+          <a:effectRef idx="0">
+            <a:schemeClr val="accent1"/>
+          </a:effectRef>
+          <a:fontRef idx="minor">
+            <a:schemeClr val="lt1"/>
+          </a:fontRef>
+        </p:style>
+        <p:txBody>
+          <a:bodyPr rtlCol="0" anchor="ctr"/>
+          <a:lstStyle/>
+          <a:p>
+            <a:pPr algn="ctr"/>
+            <a:r>
+              <a:rPr lang="en-US" dirty="0"/>
+              <a:t>{{teammate1_photo}}</a:t>
+            </a:r>
+            <a:endParaRPr lang="ru-RU" dirty="0"/>
+          </a:p>
+        </p:txBody>
+      </p:sp>
+      <p:sp>
+        <p:nvSpPr>
+          <p:cNvPr id="11" name="Прямоугольник 10">
+            <a:extLst>
+              <a:ext uri="{FF2B5EF4-FFF2-40B4-BE49-F238E27FC236}">
+                <a16:creationId xmlns:a16="http://schemas.microsoft.com/office/drawing/2014/main" xmlns="" id="{FDD37C5B-323F-4075-B7B6-4CCC37FFE498}"/>
+              </a:ext>
+            </a:extLst>
+          </p:cNvPr>
+          <p:cNvSpPr/>
+          <p:nvPr/>
+        </p:nvSpPr>
+        <p:spPr>
+          <a:xfrm>
+            <a:off x="15314564" y="3970274"/>
+            <a:ext cx="2112635" cy="2887726"/>
+          </a:xfrm>
+          <a:prstGeom prst="rect">
+            <a:avLst/>
+          </a:prstGeom>
+        </p:spPr>
+        <p:style>
+          <a:lnRef idx="2">
+            <a:schemeClr val="accent1">
+              <a:shade val="50000"/>
+            </a:schemeClr>
+          </a:lnRef>
+          <a:fillRef idx="1">
+            <a:schemeClr val="accent1"/>
+          </a:fillRef>
+          <a:effectRef idx="0">
+            <a:schemeClr val="accent1"/>
+          </a:effectRef>
+          <a:fontRef idx="minor">
+            <a:schemeClr val="lt1"/>
+          </a:fontRef>
+        </p:style>
+        <p:txBody>
+          <a:bodyPr rtlCol="0" anchor="ctr"/>
+          <a:lstStyle/>
+          <a:p>
+            <a:pPr algn="ctr"/>
+            <a:r>
+              <a:rPr lang="en-US" dirty="0"/>
+              <a:t>{{teammate</a:t>
+            </a:r>
+            <a:r>
+              <a:rPr lang="ru-RU" dirty="0"/>
+              <a:t>2</a:t>
+            </a:r>
+            <a:r>
+              <a:rPr lang="en-US" dirty="0"/>
+              <a:t>_photo}}</a:t>
+            </a:r>
+            <a:endParaRPr lang="ru-RU" dirty="0"/>
+          </a:p>
+        </p:txBody>
+      </p:sp>
+      <p:sp>
+        <p:nvSpPr>
+          <p:cNvPr id="12" name="Прямоугольник 11">
+            <a:extLst>
+              <a:ext uri="{FF2B5EF4-FFF2-40B4-BE49-F238E27FC236}">
+                <a16:creationId xmlns:a16="http://schemas.microsoft.com/office/drawing/2014/main" xmlns="" id="{F5EDD00D-4DEC-4573-8AEA-2696B0B87D39}"/>
+              </a:ext>
+            </a:extLst>
+          </p:cNvPr>
+          <p:cNvSpPr/>
+          <p:nvPr/>
+        </p:nvSpPr>
+        <p:spPr>
+          <a:xfrm>
+            <a:off x="4089268" y="8714373"/>
+            <a:ext cx="2112635" cy="2887726"/>
+          </a:xfrm>
+          <a:prstGeom prst="rect">
+            <a:avLst/>
+          </a:prstGeom>
+        </p:spPr>
+        <p:style>
+          <a:lnRef idx="2">
+            <a:schemeClr val="accent1">
+              <a:shade val="50000"/>
+            </a:schemeClr>
+          </a:lnRef>
+          <a:fillRef idx="1">
+            <a:schemeClr val="accent1"/>
+          </a:fillRef>
+          <a:effectRef idx="0">
+            <a:schemeClr val="accent1"/>
+          </a:effectRef>
+          <a:fontRef idx="minor">
+            <a:schemeClr val="lt1"/>
+          </a:fontRef>
+        </p:style>
+        <p:txBody>
+          <a:bodyPr rtlCol="0" anchor="ctr"/>
+          <a:lstStyle/>
+          <a:p>
+            <a:pPr algn="ctr"/>
+            <a:r>
+              <a:rPr lang="en-US" dirty="0"/>
+              <a:t>{{teammate</a:t>
+            </a:r>
+            <a:r>
+              <a:rPr lang="ru-RU" dirty="0"/>
+              <a:t>3</a:t>
+            </a:r>
+            <a:r>
+              <a:rPr lang="en-US" dirty="0"/>
+              <a:t>_photo}}</a:t>
+            </a:r>
+            <a:endParaRPr lang="ru-RU" dirty="0"/>
+          </a:p>
+        </p:txBody>
+      </p:sp>
+      <p:sp>
+        <p:nvSpPr>
+          <p:cNvPr id="13" name="Прямоугольник 12">
+            <a:extLst>
+              <a:ext uri="{FF2B5EF4-FFF2-40B4-BE49-F238E27FC236}">
+                <a16:creationId xmlns:a16="http://schemas.microsoft.com/office/drawing/2014/main" xmlns="" id="{2F7BDA44-00DA-4484-BBC3-DAC92F563ADB}"/>
+              </a:ext>
+            </a:extLst>
+          </p:cNvPr>
+          <p:cNvSpPr/>
+          <p:nvPr/>
+        </p:nvSpPr>
+        <p:spPr>
+          <a:xfrm>
+            <a:off x="15314563" y="8714373"/>
+            <a:ext cx="2112635" cy="2887726"/>
+          </a:xfrm>
+          <a:prstGeom prst="rect">
+            <a:avLst/>
+          </a:prstGeom>
+        </p:spPr>
+        <p:style>
+          <a:lnRef idx="2">
+            <a:schemeClr val="accent1">
+              <a:shade val="50000"/>
+            </a:schemeClr>
+          </a:lnRef>
+          <a:fillRef idx="1">
+            <a:schemeClr val="accent1"/>
+          </a:fillRef>
+          <a:effectRef idx="0">
+            <a:schemeClr val="accent1"/>
+          </a:effectRef>
+          <a:fontRef idx="minor">
+            <a:schemeClr val="lt1"/>
+          </a:fontRef>
+        </p:style>
+        <p:txBody>
+          <a:bodyPr rtlCol="0" anchor="ctr"/>
+          <a:lstStyle/>
+          <a:p>
+            <a:pPr algn="ctr"/>
+            <a:r>
+              <a:rPr lang="en-US" dirty="0"/>
+              <a:t>{{teammate</a:t>
+            </a:r>
+            <a:r>
+              <a:rPr lang="ru-RU" dirty="0"/>
+              <a:t>4</a:t>
+            </a:r>
+            <a:r>
+              <a:rPr lang="en-US" dirty="0"/>
+              <a:t>_photo}}</a:t>
+            </a:r>
+            <a:endParaRPr lang="ru-RU" dirty="0"/>
+          </a:p>
+        </p:txBody>
+      </p:sp>
+      <p:sp>
+        <p:nvSpPr>
+          <p:cNvPr id="15" name="TextBox 14">
+            <a:extLst>
+              <a:ext uri="{FF2B5EF4-FFF2-40B4-BE49-F238E27FC236}">
+                <a16:creationId xmlns:a16="http://schemas.microsoft.com/office/drawing/2014/main" xmlns="" id="{2C1C1477-D126-4ECC-A498-56AEA65D9199}"/>
+              </a:ext>
+            </a:extLst>
+          </p:cNvPr>
+          <p:cNvSpPr txBox="1"/>
+          <p:nvPr/>
+        </p:nvSpPr>
+        <p:spPr>
+          <a:xfrm>
+            <a:off x="6850673" y="4654476"/>
+            <a:ext cx="8324850" cy="400110"/>
+          </a:xfrm>
+          <a:prstGeom prst="rect">
+            <a:avLst/>
+          </a:prstGeom>
+          <a:noFill/>
+        </p:spPr>
+        <p:txBody>
+          <a:bodyPr wrap="square">
+            <a:spAutoFit/>
+          </a:bodyPr>
+          <a:lstStyle/>
+          <a:p>
+            <a:r>
+              <a:rPr lang="ru-RU" sz="2000" dirty="0"/>
+              <a:t>{{teammate1}}</a:t>
+            </a:r>
+          </a:p>
+        </p:txBody>
+      </p:sp>
+      <p:sp>
+        <p:nvSpPr>
+          <p:cNvPr id="16" name="TextBox 15">
+            <a:extLst>
+              <a:ext uri="{FF2B5EF4-FFF2-40B4-BE49-F238E27FC236}">
+                <a16:creationId xmlns:a16="http://schemas.microsoft.com/office/drawing/2014/main" xmlns="" id="{278B8600-A5A2-407F-AF94-F5A7F67BFB56}"/>
+              </a:ext>
+            </a:extLst>
+          </p:cNvPr>
+          <p:cNvSpPr txBox="1"/>
+          <p:nvPr/>
+        </p:nvSpPr>
+        <p:spPr>
+          <a:xfrm>
+            <a:off x="6850673" y="9185238"/>
+            <a:ext cx="8324850" cy="400110"/>
+          </a:xfrm>
+          <a:prstGeom prst="rect">
+            <a:avLst/>
+          </a:prstGeom>
+          <a:noFill/>
+        </p:spPr>
+        <p:txBody>
+          <a:bodyPr wrap="square">
+            <a:spAutoFit/>
+          </a:bodyPr>
+          <a:lstStyle/>
+          <a:p>
+            <a:r>
+              <a:rPr lang="ru-RU" sz="2000" dirty="0"/>
+              <a:t>{{teammate3}}</a:t>
+            </a:r>
+          </a:p>
+        </p:txBody>
+      </p:sp>
+      <p:sp>
+        <p:nvSpPr>
+          <p:cNvPr id="17" name="TextBox 16">
+            <a:extLst>
+              <a:ext uri="{FF2B5EF4-FFF2-40B4-BE49-F238E27FC236}">
+                <a16:creationId xmlns:a16="http://schemas.microsoft.com/office/drawing/2014/main" xmlns="" id="{A7B3873E-3218-4006-9F68-3091F0D74261}"/>
+              </a:ext>
+            </a:extLst>
+          </p:cNvPr>
+          <p:cNvSpPr txBox="1"/>
+          <p:nvPr/>
+        </p:nvSpPr>
+        <p:spPr>
+          <a:xfrm>
+            <a:off x="17566240" y="4654476"/>
+            <a:ext cx="6721943" cy="400110"/>
+          </a:xfrm>
+          <a:prstGeom prst="rect">
+            <a:avLst/>
+          </a:prstGeom>
+          <a:noFill/>
+        </p:spPr>
+        <p:txBody>
+          <a:bodyPr wrap="square">
+            <a:spAutoFit/>
+          </a:bodyPr>
+          <a:lstStyle/>
+          <a:p>
+            <a:r>
+              <a:rPr lang="ru-RU" sz="2000" dirty="0"/>
+              <a:t>{{teammate2}}</a:t>
+            </a:r>
+          </a:p>
+        </p:txBody>
+      </p:sp>
+      <p:sp>
+        <p:nvSpPr>
+          <p:cNvPr id="18" name="TextBox 17">
+            <a:extLst>
+              <a:ext uri="{FF2B5EF4-FFF2-40B4-BE49-F238E27FC236}">
+                <a16:creationId xmlns:a16="http://schemas.microsoft.com/office/drawing/2014/main" xmlns="" id="{46871F52-A53E-4492-BFF5-7CBE2253FB1A}"/>
+              </a:ext>
+            </a:extLst>
+          </p:cNvPr>
+          <p:cNvSpPr txBox="1"/>
+          <p:nvPr/>
+        </p:nvSpPr>
+        <p:spPr>
+          <a:xfrm>
+            <a:off x="17566238" y="9185238"/>
+            <a:ext cx="6721945" cy="400110"/>
+          </a:xfrm>
+          <a:prstGeom prst="rect">
+            <a:avLst/>
+          </a:prstGeom>
+          <a:noFill/>
+        </p:spPr>
+        <p:txBody>
+          <a:bodyPr wrap="square">
+            <a:spAutoFit/>
+          </a:bodyPr>
+          <a:lstStyle/>
+          <a:p>
+            <a:r>
+              <a:rPr lang="ru-RU" sz="2000" dirty="0"/>
+              <a:t>{{teammate4}}</a:t>
+            </a:r>
+          </a:p>
+        </p:txBody>
+      </p:sp>
+    </p:spTree>
+    <p:extLst>
+      <p:ext uri="{BB962C8B-B14F-4D97-AF65-F5344CB8AC3E}">
+        <p14:creationId xmlns:p14="http://schemas.microsoft.com/office/powerpoint/2010/main" val="3559747327"/>
+      </p:ext>
+    </p:extLst>
+  </p:cSld>
+  <p:clrMapOvr>
+    <a:masterClrMapping/>
+  </p:clrMapOvr>
+</p:sld>
+</file>
+
+<file path=ppt/slides/slide7.xml><?xml version="1.0" encoding="utf-8"?>
 <p:sld xmlns:a="http://schemas.openxmlformats.org/drawingml/2006/main" xmlns:r="http://schemas.openxmlformats.org/officeDocument/2006/relationships" xmlns:p="http://schemas.openxmlformats.org/presentationml/2006/main">
   <p:cSld>
     <p:bg>

--- a/PowerPoint/pptx_template.pptx
+++ b/PowerPoint/pptx_template.pptx
@@ -9637,8 +9637,8 @@
         </p:nvSpPr>
         <p:spPr>
           <a:xfrm>
-            <a:off x="6601460" y="4292027"/>
-            <a:ext cx="11181081" cy="3180358"/>
+            <a:off x="6601460" y="5061468"/>
+            <a:ext cx="11181081" cy="1641475"/>
           </a:xfrm>
           <a:prstGeom prst="rect">
             <a:avLst/>
@@ -9672,7 +9672,7 @@
               <a:buNone/>
             </a:pPr>
             <a:r>
-              <a:rPr lang="ru-RU" sz="10000" b="0" i="0" u="none" strike="noStrike" cap="none" dirty="0">
+              <a:rPr lang="ru-RU" sz="10000" b="0" i="0" u="none" strike="noStrike" cap="none" dirty="0" smtClean="0">
                 <a:solidFill>
                   <a:srgbClr val="FFFFFF"/>
                 </a:solidFill>
@@ -9685,36 +9685,66 @@
             </a:r>
             <a:endParaRPr dirty="0"/>
           </a:p>
+        </p:txBody>
+      </p:sp>
+      <p:sp>
+        <p:nvSpPr>
+          <p:cNvPr id="7" name="Google Shape;101;p6"/>
+          <p:cNvSpPr txBox="1"/>
+          <p:nvPr/>
+        </p:nvSpPr>
+        <p:spPr>
+          <a:xfrm>
+            <a:off x="9197790" y="6568374"/>
+            <a:ext cx="12436980" cy="1118255"/>
+          </a:xfrm>
+          <a:prstGeom prst="rect">
+            <a:avLst/>
+          </a:prstGeom>
+          <a:noFill/>
+          <a:ln>
+            <a:noFill/>
+          </a:ln>
+        </p:spPr>
+        <p:txBody>
+          <a:bodyPr spcFirstLastPara="1" wrap="square" lIns="50800" tIns="50800" rIns="50800" bIns="50800" anchor="ctr" anchorCtr="0">
+            <a:spAutoFit/>
+          </a:bodyPr>
+          <a:lstStyle/>
           <a:p>
-            <a:pPr marL="0" marR="0" lvl="0" indent="0" algn="ctr" rtl="0">
-              <a:lnSpc>
-                <a:spcPct val="100000"/>
-              </a:lnSpc>
-              <a:spcBef>
-                <a:spcPts val="0"/>
-              </a:spcBef>
-              <a:spcAft>
-                <a:spcPts val="0"/>
-              </a:spcAft>
-              <a:buClr>
-                <a:srgbClr val="FFFFFF"/>
-              </a:buClr>
-              <a:buSzPts val="10000"/>
+            <a:pPr marL="0" marR="0" lvl="0" indent="0" algn="l" rtl="0">
+              <a:lnSpc>
+                <a:spcPct val="100000"/>
+              </a:lnSpc>
+              <a:spcBef>
+                <a:spcPts val="0"/>
+              </a:spcBef>
+              <a:spcAft>
+                <a:spcPts val="0"/>
+              </a:spcAft>
+              <a:buClr>
+                <a:srgbClr val="25222C"/>
+              </a:buClr>
+              <a:buSzPts val="4600"/>
               <a:buFont typeface="Arial"/>
               <a:buNone/>
             </a:pPr>
             <a:r>
-              <a:rPr lang="en-US" sz="10000" dirty="0">
+              <a:rPr lang="en-US" sz="6600" b="0" i="0" u="none" strike="noStrike" cap="none" dirty="0">
                 <a:solidFill>
-                  <a:srgbClr val="FFFFFF"/>
+                  <a:schemeClr val="bg1"/>
                 </a:solidFill>
+                <a:latin typeface="Arial"/>
+                <a:ea typeface="Arial"/>
+                <a:cs typeface="Arial"/>
+                <a:sym typeface="Arial"/>
               </a:rPr>
               <a:t>{{</a:t>
             </a:r>
             <a:r>
-              <a:rPr lang="en-US" sz="10000" b="0" i="0" u="none" strike="noStrike" cap="none" dirty="0" err="1">
+              <a:rPr lang="en-US" sz="6600" b="0" i="0" u="none" strike="noStrike" cap="none" dirty="0" err="1">
                 <a:solidFill>
-                  <a:srgbClr val="FFFFFF"/>
+                  <a:schemeClr val="bg1"/>
                 </a:solidFill>
                 <a:latin typeface="Arial"/>
                 <a:ea typeface="Arial"/>
@@ -9724,18 +9754,23 @@
               <a:t>name_project</a:t>
             </a:r>
             <a:r>
-              <a:rPr lang="en-US" sz="10000" b="0" i="0" u="none" strike="noStrike" cap="none" dirty="0">
+              <a:rPr lang="en-US" sz="6600" b="0" i="0" u="none" strike="noStrike" cap="none" dirty="0">
                 <a:solidFill>
-                  <a:srgbClr val="FFFFFF"/>
+                  <a:schemeClr val="bg1"/>
                 </a:solidFill>
-                <a:latin typeface="Arial"/>
-                <a:ea typeface="Arial"/>
-                <a:cs typeface="Arial"/>
                 <a:sym typeface="Arial"/>
               </a:rPr>
               <a:t>}}</a:t>
             </a:r>
-            <a:endParaRPr dirty="0"/>
+            <a:endParaRPr sz="4400" b="1" i="0" u="none" strike="noStrike" cap="none" dirty="0">
+              <a:solidFill>
+                <a:schemeClr val="bg1"/>
+              </a:solidFill>
+              <a:latin typeface="Helvetica Neue"/>
+              <a:ea typeface="Helvetica Neue"/>
+              <a:cs typeface="Helvetica Neue"/>
+              <a:sym typeface="Helvetica Neue"/>
+            </a:endParaRPr>
           </a:p>
         </p:txBody>
       </p:sp>
@@ -9982,8 +10017,8 @@
         </p:nvSpPr>
         <p:spPr>
           <a:xfrm>
-            <a:off x="965200" y="3506349"/>
-            <a:ext cx="13926215" cy="410369"/>
+            <a:off x="965200" y="3444795"/>
+            <a:ext cx="13926215" cy="533479"/>
           </a:xfrm>
           <a:prstGeom prst="rect">
             <a:avLst/>
@@ -10017,44 +10052,36 @@
               <a:buNone/>
             </a:pPr>
             <a:r>
-              <a:rPr lang="en-US" sz="2000" dirty="0">
+              <a:rPr lang="en-US" sz="2800" b="0" i="0" u="none" strike="noStrike" cap="none" dirty="0" smtClean="0">
                 <a:solidFill>
                   <a:srgbClr val="25222C"/>
                 </a:solidFill>
+                <a:sym typeface="Arial"/>
               </a:rPr>
               <a:t>{{</a:t>
             </a:r>
             <a:r>
-              <a:rPr lang="en-US" sz="2000" b="0" i="0" u="none" strike="noStrike" cap="none" dirty="0" err="1">
+              <a:rPr lang="en-US" sz="2800" b="0" i="0" u="none" strike="noStrike" cap="none" dirty="0" err="1" smtClean="0">
                 <a:solidFill>
                   <a:srgbClr val="25222C"/>
                 </a:solidFill>
-                <a:latin typeface="Arial"/>
-                <a:ea typeface="Arial"/>
-                <a:cs typeface="Arial"/>
                 <a:sym typeface="Arial"/>
               </a:rPr>
               <a:t>about_project</a:t>
             </a:r>
             <a:r>
-              <a:rPr lang="en-US" sz="2000" b="0" i="0" u="none" strike="noStrike" cap="none" dirty="0">
+              <a:rPr lang="en-US" sz="2800" b="0" i="0" u="none" strike="noStrike" cap="none" dirty="0" smtClean="0">
                 <a:solidFill>
                   <a:srgbClr val="25222C"/>
                 </a:solidFill>
-                <a:latin typeface="Arial"/>
-                <a:ea typeface="Arial"/>
-                <a:cs typeface="Arial"/>
                 <a:sym typeface="Arial"/>
               </a:rPr>
               <a:t>}}</a:t>
             </a:r>
-            <a:endParaRPr sz="2000" b="0" i="0" u="none" strike="noStrike" cap="none" dirty="0">
+            <a:endParaRPr sz="2800" b="0" i="0" u="none" strike="noStrike" cap="none" dirty="0">
               <a:solidFill>
                 <a:srgbClr val="25222C"/>
               </a:solidFill>
-              <a:latin typeface="Arial"/>
-              <a:ea typeface="Arial"/>
-              <a:cs typeface="Arial"/>
               <a:sym typeface="Arial"/>
             </a:endParaRPr>
           </a:p>
@@ -10200,8 +10227,8 @@
         </p:nvSpPr>
         <p:spPr>
           <a:xfrm>
-            <a:off x="1361010" y="6365281"/>
-            <a:ext cx="6535420" cy="410369"/>
+            <a:off x="1361010" y="6303727"/>
+            <a:ext cx="6535420" cy="533479"/>
           </a:xfrm>
           <a:prstGeom prst="rect">
             <a:avLst/>
@@ -10236,7 +10263,7 @@
               </a:buBlip>
             </a:pPr>
             <a:r>
-              <a:rPr lang="en-US" sz="2000" dirty="0">
+              <a:rPr lang="en-US" sz="2800" dirty="0" smtClean="0">
                 <a:solidFill>
                   <a:srgbClr val="25222C"/>
                 </a:solidFill>
@@ -10244,7 +10271,7 @@
               </a:rPr>
               <a:t>{{effectiveness}}</a:t>
             </a:r>
-            <a:endParaRPr sz="3000" b="1" i="0" u="none" strike="noStrike" cap="none" dirty="0">
+            <a:endParaRPr sz="3600" b="1" i="0" u="none" strike="noStrike" cap="none" dirty="0">
               <a:solidFill>
                 <a:srgbClr val="000000"/>
               </a:solidFill>
@@ -10264,8 +10291,8 @@
         </p:nvSpPr>
         <p:spPr>
           <a:xfrm>
-            <a:off x="9232899" y="6546795"/>
-            <a:ext cx="6598917" cy="410369"/>
+            <a:off x="9232899" y="6485241"/>
+            <a:ext cx="6598917" cy="533479"/>
           </a:xfrm>
           <a:prstGeom prst="rect">
             <a:avLst/>
@@ -10299,7 +10326,7 @@
               <a:buNone/>
             </a:pPr>
             <a:r>
-              <a:rPr lang="en-US" sz="2000" dirty="0">
+              <a:rPr lang="en-US" sz="2800" dirty="0">
                 <a:solidFill>
                   <a:srgbClr val="25222C"/>
                 </a:solidFill>
@@ -10433,8 +10460,8 @@
         </p:nvSpPr>
         <p:spPr>
           <a:xfrm>
-            <a:off x="965200" y="10437415"/>
-            <a:ext cx="5018278" cy="410369"/>
+            <a:off x="965200" y="10375861"/>
+            <a:ext cx="5018278" cy="533479"/>
           </a:xfrm>
           <a:prstGeom prst="rect">
             <a:avLst/>
@@ -10468,22 +10495,19 @@
               <a:buChar char="•"/>
             </a:pPr>
             <a:r>
-              <a:rPr lang="en-US" sz="2000" dirty="0"/>
+              <a:rPr lang="en-US" sz="2800" dirty="0"/>
               <a:t>{{risks}}</a:t>
             </a:r>
             <a:r>
-              <a:rPr lang="ru-RU" sz="2000" b="0" i="0" u="none" strike="noStrike" cap="none" dirty="0">
+              <a:rPr lang="ru-RU" sz="2800" b="0" i="0" u="none" strike="noStrike" cap="none" dirty="0">
                 <a:solidFill>
                   <a:srgbClr val="000000"/>
                 </a:solidFill>
-                <a:latin typeface="Arial"/>
-                <a:ea typeface="Arial"/>
-                <a:cs typeface="Arial"/>
                 <a:sym typeface="Arial"/>
               </a:rPr>
               <a:t>  </a:t>
             </a:r>
-            <a:endParaRPr dirty="0"/>
+            <a:endParaRPr sz="1800" dirty="0"/>
           </a:p>
         </p:txBody>
       </p:sp>
@@ -10495,8 +10519,8 @@
         </p:nvSpPr>
         <p:spPr>
           <a:xfrm>
-            <a:off x="9232900" y="10467697"/>
-            <a:ext cx="2977134" cy="410369"/>
+            <a:off x="9232900" y="10406143"/>
+            <a:ext cx="2977134" cy="533479"/>
           </a:xfrm>
           <a:prstGeom prst="rect">
             <a:avLst/>
@@ -10530,10 +10554,10 @@
               <a:buNone/>
             </a:pPr>
             <a:r>
-              <a:rPr lang="en-US" sz="2000" dirty="0"/>
+              <a:rPr lang="en-US" sz="2800" dirty="0"/>
               <a:t>{{teams}}</a:t>
             </a:r>
-            <a:endParaRPr dirty="0"/>
+            <a:endParaRPr sz="1800" dirty="0"/>
           </a:p>
         </p:txBody>
       </p:sp>
@@ -10792,8 +10816,8 @@
         </p:nvSpPr>
         <p:spPr>
           <a:xfrm>
-            <a:off x="17906999" y="6194048"/>
-            <a:ext cx="3648915" cy="471924"/>
+            <a:off x="17906999" y="6132493"/>
+            <a:ext cx="3648915" cy="595035"/>
           </a:xfrm>
           <a:prstGeom prst="rect">
             <a:avLst/>
@@ -10827,7 +10851,7 @@
               <a:buNone/>
             </a:pPr>
             <a:r>
-              <a:rPr lang="en-US" sz="2400" b="0" i="0" u="none" strike="noStrike" cap="none" dirty="0">
+              <a:rPr lang="en-US" sz="3200" b="0" i="0" u="none" strike="noStrike" cap="none" dirty="0">
                 <a:solidFill>
                   <a:srgbClr val="009A96"/>
                 </a:solidFill>
@@ -10839,7 +10863,7 @@
               <a:t>{{</a:t>
             </a:r>
             <a:r>
-              <a:rPr lang="en-US" sz="2400" b="0" i="0" u="none" strike="noStrike" cap="none" dirty="0" err="1">
+              <a:rPr lang="en-US" sz="3200" b="0" i="0" u="none" strike="noStrike" cap="none" dirty="0" err="1">
                 <a:solidFill>
                   <a:srgbClr val="009A96"/>
                 </a:solidFill>
@@ -10851,7 +10875,7 @@
               <a:t>first_stage</a:t>
             </a:r>
             <a:r>
-              <a:rPr lang="en-US" sz="2400" b="0" i="0" u="none" strike="noStrike" cap="none" dirty="0">
+              <a:rPr lang="en-US" sz="3200" b="0" i="0" u="none" strike="noStrike" cap="none" dirty="0">
                 <a:solidFill>
                   <a:srgbClr val="009A96"/>
                 </a:solidFill>
@@ -10862,7 +10886,7 @@
               </a:rPr>
               <a:t>}}</a:t>
             </a:r>
-            <a:endParaRPr sz="2400" b="0" i="0" u="none" strike="noStrike" cap="none" dirty="0">
+            <a:endParaRPr sz="3200" b="0" i="0" u="none" strike="noStrike" cap="none" dirty="0">
               <a:solidFill>
                 <a:srgbClr val="009A96"/>
               </a:solidFill>
@@ -10882,8 +10906,8 @@
         </p:nvSpPr>
         <p:spPr>
           <a:xfrm>
-            <a:off x="17907000" y="6835696"/>
-            <a:ext cx="4353559" cy="410369"/>
+            <a:off x="17907000" y="6774142"/>
+            <a:ext cx="4353559" cy="533479"/>
           </a:xfrm>
           <a:prstGeom prst="rect">
             <a:avLst/>
@@ -10917,7 +10941,7 @@
               <a:buNone/>
             </a:pPr>
             <a:r>
-              <a:rPr lang="en-US" sz="2000" b="0" i="0" u="none" strike="noStrike" cap="none" dirty="0">
+              <a:rPr lang="en-US" sz="2800" b="0" i="0" u="none" strike="noStrike" cap="none" dirty="0">
                 <a:solidFill>
                   <a:srgbClr val="009A96"/>
                 </a:solidFill>
@@ -10929,7 +10953,7 @@
               <a:t>{{</a:t>
             </a:r>
             <a:r>
-              <a:rPr lang="en-US" sz="2000" b="0" i="0" u="none" strike="noStrike" cap="none" dirty="0" err="1">
+              <a:rPr lang="en-US" sz="2800" b="0" i="0" u="none" strike="noStrike" cap="none" dirty="0" err="1">
                 <a:solidFill>
                   <a:srgbClr val="009A96"/>
                 </a:solidFill>
@@ -10941,7 +10965,7 @@
               <a:t>first_stage_description</a:t>
             </a:r>
             <a:r>
-              <a:rPr lang="en-US" sz="2000" b="0" i="0" u="none" strike="noStrike" cap="none" dirty="0">
+              <a:rPr lang="en-US" sz="2800" b="0" i="0" u="none" strike="noStrike" cap="none" dirty="0">
                 <a:solidFill>
                   <a:srgbClr val="009A96"/>
                 </a:solidFill>
@@ -10952,7 +10976,7 @@
               </a:rPr>
               <a:t>}}</a:t>
             </a:r>
-            <a:endParaRPr lang="ru-RU" sz="2000" b="0" i="0" u="none" strike="noStrike" cap="none" dirty="0">
+            <a:endParaRPr lang="ru-RU" sz="2800" b="0" i="0" u="none" strike="noStrike" cap="none" dirty="0">
               <a:solidFill>
                 <a:srgbClr val="009A96"/>
               </a:solidFill>
@@ -10972,8 +10996,8 @@
         </p:nvSpPr>
         <p:spPr>
           <a:xfrm>
-            <a:off x="17906999" y="7523829"/>
-            <a:ext cx="3054605" cy="471924"/>
+            <a:off x="17906999" y="7462274"/>
+            <a:ext cx="3892297" cy="595035"/>
           </a:xfrm>
           <a:prstGeom prst="rect">
             <a:avLst/>
@@ -11007,7 +11031,7 @@
               <a:buNone/>
             </a:pPr>
             <a:r>
-              <a:rPr lang="en-US" sz="2400" dirty="0">
+              <a:rPr lang="en-US" sz="3200" dirty="0">
                 <a:solidFill>
                   <a:srgbClr val="25222C"/>
                 </a:solidFill>
@@ -11015,7 +11039,7 @@
               <a:t>{{</a:t>
             </a:r>
             <a:r>
-              <a:rPr lang="en-US" sz="2400" dirty="0" err="1">
+              <a:rPr lang="en-US" sz="3200" dirty="0" err="1">
                 <a:solidFill>
                   <a:srgbClr val="25222C"/>
                 </a:solidFill>
@@ -11023,14 +11047,14 @@
               <a:t>second_stage</a:t>
             </a:r>
             <a:r>
-              <a:rPr lang="en-US" sz="2400" dirty="0">
+              <a:rPr lang="en-US" sz="3200" dirty="0">
                 <a:solidFill>
                   <a:srgbClr val="25222C"/>
                 </a:solidFill>
               </a:rPr>
               <a:t>}}</a:t>
             </a:r>
-            <a:endParaRPr dirty="0"/>
+            <a:endParaRPr sz="1800" dirty="0"/>
           </a:p>
         </p:txBody>
       </p:sp>
@@ -11042,8 +11066,8 @@
         </p:nvSpPr>
         <p:spPr>
           <a:xfrm>
-            <a:off x="17906999" y="8085376"/>
-            <a:ext cx="3372338" cy="410369"/>
+            <a:off x="17906847" y="8037105"/>
+            <a:ext cx="3372338" cy="964367"/>
           </a:xfrm>
           <a:prstGeom prst="rect">
             <a:avLst/>
@@ -11077,42 +11101,33 @@
               <a:buNone/>
             </a:pPr>
             <a:r>
-              <a:rPr lang="en-US" sz="2000" b="0" i="0" u="none" strike="noStrike" cap="none" dirty="0">
+              <a:rPr lang="en-US" sz="2800" b="0" i="0" u="none" strike="noStrike" cap="none" dirty="0">
                 <a:solidFill>
                   <a:srgbClr val="25222C"/>
                 </a:solidFill>
-                <a:latin typeface="Arial"/>
-                <a:ea typeface="Arial"/>
-                <a:cs typeface="Arial"/>
                 <a:sym typeface="Arial"/>
               </a:rPr>
               <a:t>{{</a:t>
             </a:r>
             <a:r>
-              <a:rPr lang="en-US" sz="2000" b="0" i="0" u="none" strike="noStrike" cap="none" dirty="0" err="1">
+              <a:rPr lang="en-US" sz="2800" b="0" i="0" u="none" strike="noStrike" cap="none" dirty="0" err="1">
                 <a:solidFill>
                   <a:srgbClr val="25222C"/>
                 </a:solidFill>
-                <a:latin typeface="Arial"/>
-                <a:ea typeface="Arial"/>
-                <a:cs typeface="Arial"/>
                 <a:sym typeface="Arial"/>
               </a:rPr>
               <a:t>third_stage_description</a:t>
             </a:r>
             <a:r>
-              <a:rPr lang="en-US" sz="2000" b="0" i="0" u="none" strike="noStrike" cap="none" dirty="0">
+              <a:rPr lang="en-US" sz="2800" b="0" i="0" u="none" strike="noStrike" cap="none" dirty="0">
                 <a:solidFill>
                   <a:srgbClr val="25222C"/>
                 </a:solidFill>
-                <a:latin typeface="Arial"/>
-                <a:ea typeface="Arial"/>
-                <a:cs typeface="Arial"/>
                 <a:sym typeface="Arial"/>
               </a:rPr>
               <a:t>}}</a:t>
             </a:r>
-            <a:endParaRPr lang="en-US" sz="2000" dirty="0"/>
+            <a:endParaRPr lang="en-US" sz="2800" dirty="0"/>
           </a:p>
         </p:txBody>
       </p:sp>
@@ -11124,8 +11139,8 @@
         </p:nvSpPr>
         <p:spPr>
           <a:xfrm>
-            <a:off x="17907000" y="8986017"/>
-            <a:ext cx="3648914" cy="471924"/>
+            <a:off x="17907000" y="9198192"/>
+            <a:ext cx="3648914" cy="595035"/>
           </a:xfrm>
           <a:prstGeom prst="rect">
             <a:avLst/>
@@ -11159,7 +11174,7 @@
               <a:buNone/>
             </a:pPr>
             <a:r>
-              <a:rPr lang="en-US" sz="2400" b="0" i="0" u="none" strike="noStrike" cap="none" dirty="0" err="1">
+              <a:rPr lang="en-US" sz="3200" b="0" i="0" u="none" strike="noStrike" cap="none" dirty="0" err="1">
                 <a:solidFill>
                   <a:srgbClr val="25222C"/>
                 </a:solidFill>
@@ -11170,7 +11185,7 @@
               </a:rPr>
               <a:t>third_stage</a:t>
             </a:r>
-            <a:endParaRPr dirty="0"/>
+            <a:endParaRPr sz="1800" dirty="0"/>
           </a:p>
         </p:txBody>
       </p:sp>
@@ -11182,8 +11197,8 @@
         </p:nvSpPr>
         <p:spPr>
           <a:xfrm>
-            <a:off x="17906999" y="9471961"/>
-            <a:ext cx="3597961" cy="410369"/>
+            <a:off x="17906998" y="9793227"/>
+            <a:ext cx="4111754" cy="533479"/>
           </a:xfrm>
           <a:prstGeom prst="rect">
             <a:avLst/>
@@ -11217,18 +11232,15 @@
               <a:buNone/>
             </a:pPr>
             <a:r>
-              <a:rPr lang="en-US" sz="2000" b="0" i="0" u="none" strike="noStrike" cap="none" dirty="0" err="1">
+              <a:rPr lang="en-US" sz="2800" b="0" i="0" u="none" strike="noStrike" cap="none" dirty="0" err="1">
                 <a:solidFill>
                   <a:srgbClr val="25222C"/>
                 </a:solidFill>
-                <a:latin typeface="Arial"/>
-                <a:ea typeface="Arial"/>
-                <a:cs typeface="Arial"/>
                 <a:sym typeface="Arial"/>
               </a:rPr>
               <a:t>third_stage_discription</a:t>
             </a:r>
-            <a:endParaRPr lang="en-US" sz="2000" dirty="0"/>
+            <a:endParaRPr lang="en-US" sz="2800" dirty="0"/>
           </a:p>
         </p:txBody>
       </p:sp>
@@ -11240,8 +11252,8 @@
         </p:nvSpPr>
         <p:spPr>
           <a:xfrm>
-            <a:off x="17906848" y="10372603"/>
-            <a:ext cx="3648914" cy="471924"/>
+            <a:off x="17881522" y="10640060"/>
+            <a:ext cx="3648914" cy="595035"/>
           </a:xfrm>
           <a:prstGeom prst="rect">
             <a:avLst/>
@@ -11275,14 +11287,14 @@
               <a:buNone/>
             </a:pPr>
             <a:r>
-              <a:rPr lang="en-US" sz="2400" dirty="0" err="1">
+              <a:rPr lang="en-US" sz="3200" dirty="0" err="1">
                 <a:solidFill>
                   <a:srgbClr val="25222C"/>
                 </a:solidFill>
               </a:rPr>
               <a:t>final_stage</a:t>
             </a:r>
-            <a:endParaRPr dirty="0"/>
+            <a:endParaRPr sz="1800" dirty="0"/>
           </a:p>
         </p:txBody>
       </p:sp>
@@ -11294,8 +11306,8 @@
         </p:nvSpPr>
         <p:spPr>
           <a:xfrm>
-            <a:off x="17906847" y="10858547"/>
-            <a:ext cx="3649067" cy="410369"/>
+            <a:off x="17906847" y="11107421"/>
+            <a:ext cx="3649067" cy="533479"/>
           </a:xfrm>
           <a:prstGeom prst="rect">
             <a:avLst/>
@@ -11329,7 +11341,7 @@
               <a:buNone/>
             </a:pPr>
             <a:r>
-              <a:rPr lang="en-US" sz="2000" b="0" i="0" u="none" strike="noStrike" cap="none" dirty="0" err="1">
+              <a:rPr lang="en-US" sz="2800" b="0" i="0" u="none" strike="noStrike" cap="none" dirty="0" err="1">
                 <a:solidFill>
                   <a:srgbClr val="25222C"/>
                 </a:solidFill>
@@ -11340,7 +11352,7 @@
               </a:rPr>
               <a:t>final_stage_discription</a:t>
             </a:r>
-            <a:endParaRPr dirty="0"/>
+            <a:endParaRPr sz="1800" dirty="0"/>
           </a:p>
         </p:txBody>
       </p:sp>
@@ -11722,7 +11734,7 @@
         </p:nvSpPr>
         <p:spPr>
           <a:xfrm>
-            <a:off x="11283467" y="4508500"/>
+            <a:off x="17023201" y="4508500"/>
             <a:ext cx="6354892" cy="612140"/>
           </a:xfrm>
           <a:prstGeom prst="rect">
@@ -11780,8 +11792,8 @@
         </p:nvSpPr>
         <p:spPr>
           <a:xfrm>
-            <a:off x="1005860" y="5643165"/>
-            <a:ext cx="7035801" cy="410369"/>
+            <a:off x="1003299" y="5668332"/>
+            <a:ext cx="12088348" cy="533479"/>
           </a:xfrm>
           <a:prstGeom prst="rect">
             <a:avLst/>
@@ -11815,7 +11827,7 @@
               <a:buNone/>
             </a:pPr>
             <a:r>
-              <a:rPr lang="en-US" sz="2000" b="0" i="0" u="none" strike="noStrike" cap="none" dirty="0">
+              <a:rPr lang="en-US" sz="2800" b="0" i="0" u="none" strike="noStrike" cap="none" dirty="0">
                 <a:solidFill>
                   <a:srgbClr val="25222C"/>
                 </a:solidFill>
@@ -11826,7 +11838,7 @@
               </a:rPr>
               <a:t>{{problems}}</a:t>
             </a:r>
-            <a:endParaRPr dirty="0"/>
+            <a:endParaRPr sz="1800" dirty="0"/>
           </a:p>
         </p:txBody>
       </p:sp>
@@ -11838,8 +11850,8 @@
         </p:nvSpPr>
         <p:spPr>
           <a:xfrm>
-            <a:off x="11277600" y="5640625"/>
-            <a:ext cx="7035800" cy="410369"/>
+            <a:off x="14612112" y="5668332"/>
+            <a:ext cx="9441022" cy="533479"/>
           </a:xfrm>
           <a:prstGeom prst="rect">
             <a:avLst/>
@@ -11873,7 +11885,7 @@
               <a:buNone/>
             </a:pPr>
             <a:r>
-              <a:rPr lang="en-US" sz="2000" b="0" i="0" u="none" strike="noStrike" cap="none" dirty="0">
+              <a:rPr lang="en-US" sz="2800" b="0" i="0" u="none" strike="noStrike" cap="none" dirty="0">
                 <a:solidFill>
                   <a:srgbClr val="25222C"/>
                 </a:solidFill>
@@ -11884,7 +11896,7 @@
               </a:rPr>
               <a:t>{{decision}}</a:t>
             </a:r>
-            <a:endParaRPr dirty="0"/>
+            <a:endParaRPr sz="1800" dirty="0"/>
           </a:p>
         </p:txBody>
       </p:sp>
@@ -11903,7 +11915,7 @@
         </p:blipFill>
         <p:spPr>
           <a:xfrm>
-            <a:off x="981807" y="9401421"/>
+            <a:off x="1003299" y="10609867"/>
             <a:ext cx="21628100" cy="2540000"/>
           </a:xfrm>
           <a:prstGeom prst="rect">
@@ -11930,7 +11942,7 @@
         </p:blipFill>
         <p:spPr>
           <a:xfrm>
-            <a:off x="1244600" y="9791700"/>
+            <a:off x="1227244" y="10800366"/>
             <a:ext cx="559321" cy="571500"/>
           </a:xfrm>
           <a:prstGeom prst="rect">
@@ -11950,7 +11962,7 @@
         </p:nvSpPr>
         <p:spPr>
           <a:xfrm>
-            <a:off x="2056025" y="9771380"/>
+            <a:off x="2038669" y="10780046"/>
             <a:ext cx="6354892" cy="612141"/>
           </a:xfrm>
           <a:prstGeom prst="rect">
@@ -12008,8 +12020,8 @@
         </p:nvSpPr>
         <p:spPr>
           <a:xfrm>
-            <a:off x="2028775" y="10671421"/>
-            <a:ext cx="14325601" cy="410369"/>
+            <a:off x="2011419" y="11618533"/>
+            <a:ext cx="14325601" cy="533479"/>
           </a:xfrm>
           <a:prstGeom prst="rect">
             <a:avLst/>
@@ -12043,14 +12055,14 @@
               <a:buNone/>
             </a:pPr>
             <a:r>
-              <a:rPr lang="en-US" sz="2000" dirty="0">
+              <a:rPr lang="en-US" sz="2800" dirty="0">
                 <a:solidFill>
                   <a:srgbClr val="FFFFFF"/>
                 </a:solidFill>
               </a:rPr>
               <a:t>{{strategy}}</a:t>
             </a:r>
-            <a:endParaRPr dirty="0"/>
+            <a:endParaRPr sz="1800" dirty="0"/>
           </a:p>
         </p:txBody>
       </p:sp>
@@ -12504,8 +12516,8 @@
         </p:nvSpPr>
         <p:spPr>
           <a:xfrm>
-            <a:off x="1361889" y="10435922"/>
-            <a:ext cx="8039101" cy="410369"/>
+            <a:off x="1361889" y="10374368"/>
+            <a:ext cx="8039101" cy="533479"/>
           </a:xfrm>
           <a:prstGeom prst="rect">
             <a:avLst/>
@@ -12767,18 +12779,15 @@
               <a:buNone/>
             </a:pPr>
             <a:r>
-              <a:rPr lang="en-US" sz="2000" b="0" i="0" u="none" strike="noStrike" cap="none" dirty="0">
+              <a:rPr lang="en-US" sz="2800" b="0" i="0" u="none" strike="noStrike" cap="none" dirty="0">
                 <a:solidFill>
                   <a:srgbClr val="25222C"/>
                 </a:solidFill>
-                <a:latin typeface="Arial"/>
-                <a:ea typeface="Arial"/>
-                <a:cs typeface="Arial"/>
                 <a:sym typeface="Arial"/>
               </a:rPr>
               <a:t>{{descript_picture1}}</a:t>
             </a:r>
-            <a:endParaRPr lang="en-US" sz="2000" dirty="0"/>
+            <a:endParaRPr lang="en-US" sz="2800" dirty="0"/>
           </a:p>
         </p:txBody>
       </p:sp>
@@ -12790,8 +12799,8 @@
         </p:nvSpPr>
         <p:spPr>
           <a:xfrm>
-            <a:off x="12545501" y="10435922"/>
-            <a:ext cx="8039101" cy="410369"/>
+            <a:off x="12545501" y="10374368"/>
+            <a:ext cx="8039101" cy="533479"/>
           </a:xfrm>
           <a:prstGeom prst="rect">
             <a:avLst/>
@@ -13053,7 +13062,7 @@
               <a:buNone/>
             </a:pPr>
             <a:r>
-              <a:rPr lang="en-US" sz="2000" b="0" i="0" u="none" strike="noStrike" cap="none" dirty="0">
+              <a:rPr lang="en-US" sz="2800" b="0" i="0" u="none" strike="noStrike" cap="none" dirty="0">
                 <a:solidFill>
                   <a:srgbClr val="25222C"/>
                 </a:solidFill>
@@ -13064,7 +13073,7 @@
               </a:rPr>
               <a:t>{{descript_picture2}}</a:t>
             </a:r>
-            <a:endParaRPr dirty="0"/>
+            <a:endParaRPr sz="1800" dirty="0"/>
           </a:p>
         </p:txBody>
       </p:sp>
@@ -13108,7 +13117,7 @@
         </p:blipFill>
         <p:spPr>
           <a:xfrm>
-            <a:off x="0" y="0"/>
+            <a:off x="-95817" y="96102"/>
             <a:ext cx="24384000" cy="13716000"/>
           </a:xfrm>
           <a:prstGeom prst="rect">
@@ -13254,8 +13263,8 @@
         </p:nvSpPr>
         <p:spPr>
           <a:xfrm>
-            <a:off x="1900116" y="1978998"/>
-            <a:ext cx="2977134" cy="410369"/>
+            <a:off x="1900116" y="1886666"/>
+            <a:ext cx="5488236" cy="595035"/>
           </a:xfrm>
           <a:prstGeom prst="rect">
             <a:avLst/>
@@ -13289,10 +13298,10 @@
               <a:buNone/>
             </a:pPr>
             <a:r>
-              <a:rPr lang="en-US" sz="2000" dirty="0"/>
+              <a:rPr lang="en-US" sz="3200" dirty="0"/>
               <a:t>{{mail}}</a:t>
             </a:r>
-            <a:endParaRPr dirty="0"/>
+            <a:endParaRPr sz="2000" dirty="0"/>
           </a:p>
         </p:txBody>
       </p:sp>
@@ -13310,8 +13319,8 @@
         </p:nvSpPr>
         <p:spPr>
           <a:xfrm>
-            <a:off x="1900116" y="2563197"/>
-            <a:ext cx="2977134" cy="410369"/>
+            <a:off x="1900116" y="2470865"/>
+            <a:ext cx="5488236" cy="595035"/>
           </a:xfrm>
           <a:prstGeom prst="rect">
             <a:avLst/>
@@ -13345,10 +13354,10 @@
               <a:buNone/>
             </a:pPr>
             <a:r>
-              <a:rPr lang="en-US" sz="2000" dirty="0"/>
+              <a:rPr lang="en-US" sz="3200" dirty="0"/>
               <a:t>{{telephone}}</a:t>
             </a:r>
-            <a:endParaRPr dirty="0"/>
+            <a:endParaRPr sz="2000" dirty="0"/>
           </a:p>
         </p:txBody>
       </p:sp>
@@ -13366,8 +13375,8 @@
         </p:nvSpPr>
         <p:spPr>
           <a:xfrm>
-            <a:off x="1900116" y="3147396"/>
-            <a:ext cx="2977134" cy="410369"/>
+            <a:off x="1900116" y="3055064"/>
+            <a:ext cx="5488236" cy="595035"/>
           </a:xfrm>
           <a:prstGeom prst="rect">
             <a:avLst/>
@@ -13401,10 +13410,10 @@
               <a:buNone/>
             </a:pPr>
             <a:r>
-              <a:rPr lang="en-US" sz="2000" dirty="0"/>
+              <a:rPr lang="en-US" sz="3200" dirty="0"/>
               <a:t>{{messenger}}</a:t>
             </a:r>
-            <a:endParaRPr dirty="0"/>
+            <a:endParaRPr sz="2000" dirty="0"/>
           </a:p>
         </p:txBody>
       </p:sp>
@@ -13422,8 +13431,8 @@
         </p:nvSpPr>
         <p:spPr>
           <a:xfrm>
-            <a:off x="4089268" y="3970274"/>
-            <a:ext cx="2112635" cy="2887726"/>
+            <a:off x="2084834" y="4223462"/>
+            <a:ext cx="3017520" cy="3459280"/>
           </a:xfrm>
           <a:prstGeom prst="rect">
             <a:avLst/>
@@ -13472,8 +13481,8 @@
         </p:nvSpPr>
         <p:spPr>
           <a:xfrm>
-            <a:off x="15314564" y="3970274"/>
-            <a:ext cx="2112635" cy="2887726"/>
+            <a:off x="13351100" y="4223462"/>
+            <a:ext cx="2688336" cy="3459280"/>
           </a:xfrm>
           <a:prstGeom prst="rect">
             <a:avLst/>
@@ -13530,8 +13539,8 @@
         </p:nvSpPr>
         <p:spPr>
           <a:xfrm>
-            <a:off x="4089268" y="8714373"/>
-            <a:ext cx="2112635" cy="2887726"/>
+            <a:off x="2084833" y="8193024"/>
+            <a:ext cx="3017520" cy="3665107"/>
           </a:xfrm>
           <a:prstGeom prst="rect">
             <a:avLst/>
@@ -13588,8 +13597,8 @@
         </p:nvSpPr>
         <p:spPr>
           <a:xfrm>
-            <a:off x="15314563" y="8714373"/>
-            <a:ext cx="2112635" cy="2887726"/>
+            <a:off x="13351101" y="8193025"/>
+            <a:ext cx="2688336" cy="3617078"/>
           </a:xfrm>
           <a:prstGeom prst="rect">
             <a:avLst/>
@@ -13646,8 +13655,8 @@
         </p:nvSpPr>
         <p:spPr>
           <a:xfrm>
-            <a:off x="6850673" y="4654476"/>
-            <a:ext cx="8324850" cy="400110"/>
+            <a:off x="5102353" y="4131256"/>
+            <a:ext cx="6748271" cy="523220"/>
           </a:xfrm>
           <a:prstGeom prst="rect">
             <a:avLst/>
@@ -13661,7 +13670,7 @@
           <a:lstStyle/>
           <a:p>
             <a:r>
-              <a:rPr lang="ru-RU" sz="2000" dirty="0"/>
+              <a:rPr lang="ru-RU" sz="2800" dirty="0"/>
               <a:t>{{teammate1}}</a:t>
             </a:r>
           </a:p>
@@ -13681,8 +13690,8 @@
         </p:nvSpPr>
         <p:spPr>
           <a:xfrm>
-            <a:off x="6850673" y="9185238"/>
-            <a:ext cx="8324850" cy="400110"/>
+            <a:off x="5241329" y="8197686"/>
+            <a:ext cx="8324850" cy="523220"/>
           </a:xfrm>
           <a:prstGeom prst="rect">
             <a:avLst/>
@@ -13696,7 +13705,7 @@
           <a:lstStyle/>
           <a:p>
             <a:r>
-              <a:rPr lang="ru-RU" sz="2000" dirty="0"/>
+              <a:rPr lang="ru-RU" sz="2800" dirty="0"/>
               <a:t>{{teammate3}}</a:t>
             </a:r>
           </a:p>
@@ -13716,8 +13725,8 @@
         </p:nvSpPr>
         <p:spPr>
           <a:xfrm>
-            <a:off x="17566240" y="4654476"/>
-            <a:ext cx="6721943" cy="400110"/>
+            <a:off x="16286080" y="4187982"/>
+            <a:ext cx="6721943" cy="523220"/>
           </a:xfrm>
           <a:prstGeom prst="rect">
             <a:avLst/>
@@ -13731,7 +13740,7 @@
           <a:lstStyle/>
           <a:p>
             <a:r>
-              <a:rPr lang="ru-RU" sz="2000" dirty="0"/>
+              <a:rPr lang="ru-RU" sz="2800" dirty="0"/>
               <a:t>{{teammate2}}</a:t>
             </a:r>
           </a:p>
@@ -13751,8 +13760,8 @@
         </p:nvSpPr>
         <p:spPr>
           <a:xfrm>
-            <a:off x="17566238" y="9185238"/>
-            <a:ext cx="6721945" cy="400110"/>
+            <a:off x="16286078" y="8193024"/>
+            <a:ext cx="6721945" cy="523220"/>
           </a:xfrm>
           <a:prstGeom prst="rect">
             <a:avLst/>
@@ -13766,7 +13775,7 @@
           <a:lstStyle/>
           <a:p>
             <a:r>
-              <a:rPr lang="ru-RU" sz="2000" dirty="0"/>
+              <a:rPr lang="ru-RU" sz="2800" dirty="0"/>
               <a:t>{{teammate4}}</a:t>
             </a:r>
           </a:p>
@@ -13937,7 +13946,7 @@
         <p:spPr>
           <a:xfrm>
             <a:off x="6734908" y="2187448"/>
-            <a:ext cx="12203722" cy="400110"/>
+            <a:ext cx="12203722" cy="523220"/>
           </a:xfrm>
           <a:prstGeom prst="rect">
             <a:avLst/>
@@ -13968,12 +13977,28 @@
               <a:buNone/>
             </a:pPr>
             <a:r>
-              <a:rPr lang="en-US" sz="2000" dirty="0">
+              <a:rPr lang="en-US" sz="2000" dirty="0" smtClean="0">
                 <a:solidFill>
                   <a:srgbClr val="25222C"/>
                 </a:solidFill>
               </a:rPr>
-              <a:t>{{conclusion}}</a:t>
+              <a:t>{{</a:t>
+            </a:r>
+            <a:r>
+              <a:rPr lang="en-US" sz="2800" dirty="0" smtClean="0">
+                <a:solidFill>
+                  <a:srgbClr val="25222C"/>
+                </a:solidFill>
+              </a:rPr>
+              <a:t>conclusion</a:t>
+            </a:r>
+            <a:r>
+              <a:rPr lang="en-US" sz="2000" dirty="0" smtClean="0">
+                <a:solidFill>
+                  <a:srgbClr val="25222C"/>
+                </a:solidFill>
+              </a:rPr>
+              <a:t>}}</a:t>
             </a:r>
             <a:endParaRPr lang="en-US" sz="2000" dirty="0"/>
           </a:p>

--- a/PowerPoint/pptx_template.pptx
+++ b/PowerPoint/pptx_template.pptx
@@ -289,7 +289,7 @@
       </p15:sldGuideLst>
     </p:ext>
     <p:ext uri="http://customooxmlschemas.google.com/">
-      <go:slidesCustomData xmlns:go="http://customooxmlschemas.google.com/" xmlns:ahyp="http://schemas.microsoft.com/office/drawing/2018/hyperlinkcolor" xmlns:p15="http://schemas.microsoft.com/office/powerpoint/2012/main" xmlns:p14="http://schemas.microsoft.com/office/powerpoint/2010/main" xmlns:com="http://schemas.openxmlformats.org/drawingml/2006/compatibility" xmlns:pvml="urn:schemas-microsoft-com:office:powerpoint" xmlns:v="urn:schemas-microsoft-com:vml" xmlns:o="urn:schemas-microsoft-com:office:office" xmlns:dgm="http://schemas.openxmlformats.org/drawingml/2006/diagram" xmlns:c="http://schemas.openxmlformats.org/drawingml/2006/chart" xmlns:mv="urn:schemas-microsoft-com:mac:vml" xmlns:mc="http://schemas.openxmlformats.org/markup-compatibility/2006" xmlns="" r:id="rId45" roundtripDataSignature="AMtx7mjWl/Mw1RNZxJzt3C2rpYrzUIIeiw=="/>
+      <go:slidesCustomData xmlns="" xmlns:mc="http://schemas.openxmlformats.org/markup-compatibility/2006" xmlns:mv="urn:schemas-microsoft-com:mac:vml" xmlns:c="http://schemas.openxmlformats.org/drawingml/2006/chart" xmlns:dgm="http://schemas.openxmlformats.org/drawingml/2006/diagram" xmlns:o="urn:schemas-microsoft-com:office:office" xmlns:v="urn:schemas-microsoft-com:vml" xmlns:pvml="urn:schemas-microsoft-com:office:powerpoint" xmlns:com="http://schemas.openxmlformats.org/drawingml/2006/compatibility" xmlns:p14="http://schemas.microsoft.com/office/powerpoint/2010/main" xmlns:p15="http://schemas.microsoft.com/office/powerpoint/2012/main" xmlns:ahyp="http://schemas.microsoft.com/office/drawing/2018/hyperlinkcolor" xmlns:go="http://customooxmlschemas.google.com/" r:id="rId45" roundtripDataSignature="AMtx7mjWl/Mw1RNZxJzt3C2rpYrzUIIeiw=="/>
     </p:ext>
   </p:extLst>
 </p:presentation>
@@ -11101,7 +11101,7 @@
               <a:buNone/>
             </a:pPr>
             <a:r>
-              <a:rPr lang="en-US" sz="2800" b="0" i="0" u="none" strike="noStrike" cap="none" dirty="0">
+              <a:rPr lang="en-US" sz="2800" b="0" i="0" u="none" strike="noStrike" cap="none" dirty="0" smtClean="0">
                 <a:solidFill>
                   <a:srgbClr val="25222C"/>
                 </a:solidFill>
@@ -11110,13 +11110,21 @@
               <a:t>{{</a:t>
             </a:r>
             <a:r>
-              <a:rPr lang="en-US" sz="2800" b="0" i="0" u="none" strike="noStrike" cap="none" dirty="0" err="1">
+              <a:rPr lang="en-US" sz="2800" dirty="0" err="1" smtClean="0">
+                <a:solidFill>
+                  <a:srgbClr val="25222C"/>
+                </a:solidFill>
+              </a:rPr>
+              <a:t>second</a:t>
+            </a:r>
+            <a:r>
+              <a:rPr lang="en-US" sz="2800" b="0" i="0" u="none" strike="noStrike" cap="none" dirty="0" err="1" smtClean="0">
                 <a:solidFill>
                   <a:srgbClr val="25222C"/>
                 </a:solidFill>
                 <a:sym typeface="Arial"/>
               </a:rPr>
-              <a:t>third_stage_description</a:t>
+              <a:t>_stage_description</a:t>
             </a:r>
             <a:r>
               <a:rPr lang="en-US" sz="2800" b="0" i="0" u="none" strike="noStrike" cap="none" dirty="0">
@@ -11174,7 +11182,19 @@
               <a:buNone/>
             </a:pPr>
             <a:r>
-              <a:rPr lang="en-US" sz="3200" b="0" i="0" u="none" strike="noStrike" cap="none" dirty="0" err="1">
+              <a:rPr lang="en-US" sz="3200" b="0" i="0" u="none" strike="noStrike" cap="none" dirty="0" smtClean="0">
+                <a:solidFill>
+                  <a:srgbClr val="25222C"/>
+                </a:solidFill>
+                <a:latin typeface="Arial"/>
+                <a:ea typeface="Arial"/>
+                <a:cs typeface="Arial"/>
+                <a:sym typeface="Arial"/>
+              </a:rPr>
+              <a:t>{{</a:t>
+            </a:r>
+            <a:r>
+              <a:rPr lang="en-US" sz="3200" b="0" i="0" u="none" strike="noStrike" cap="none" dirty="0" err="1" smtClean="0">
                 <a:solidFill>
                   <a:srgbClr val="25222C"/>
                 </a:solidFill>
@@ -11184,6 +11204,18 @@
                 <a:sym typeface="Arial"/>
               </a:rPr>
               <a:t>third_stage</a:t>
+            </a:r>
+            <a:r>
+              <a:rPr lang="en-US" sz="3200" b="0" i="0" u="none" strike="noStrike" cap="none" dirty="0" smtClean="0">
+                <a:solidFill>
+                  <a:srgbClr val="25222C"/>
+                </a:solidFill>
+                <a:latin typeface="Arial"/>
+                <a:ea typeface="Arial"/>
+                <a:cs typeface="Arial"/>
+                <a:sym typeface="Arial"/>
+              </a:rPr>
+              <a:t>}}</a:t>
             </a:r>
             <a:endParaRPr sz="1800" dirty="0"/>
           </a:p>
@@ -11197,8 +11229,8 @@
         </p:nvSpPr>
         <p:spPr>
           <a:xfrm>
-            <a:off x="17906998" y="9793227"/>
-            <a:ext cx="4111754" cy="533479"/>
+            <a:off x="17906997" y="9793227"/>
+            <a:ext cx="4353561" cy="533479"/>
           </a:xfrm>
           <a:prstGeom prst="rect">
             <a:avLst/>
@@ -11232,13 +11264,31 @@
               <a:buNone/>
             </a:pPr>
             <a:r>
-              <a:rPr lang="en-US" sz="2800" b="0" i="0" u="none" strike="noStrike" cap="none" dirty="0" err="1">
+              <a:rPr lang="en-US" sz="2800" b="0" i="0" u="none" strike="noStrike" cap="none" dirty="0" smtClean="0">
                 <a:solidFill>
                   <a:srgbClr val="25222C"/>
                 </a:solidFill>
                 <a:sym typeface="Arial"/>
               </a:rPr>
-              <a:t>third_stage_discription</a:t>
+              <a:t>{{</a:t>
+            </a:r>
+            <a:r>
+              <a:rPr lang="en-US" sz="2800" b="0" i="0" u="none" strike="noStrike" cap="none" dirty="0" err="1" smtClean="0">
+                <a:solidFill>
+                  <a:srgbClr val="25222C"/>
+                </a:solidFill>
+                <a:sym typeface="Arial"/>
+              </a:rPr>
+              <a:t>third_stage_description</a:t>
+            </a:r>
+            <a:r>
+              <a:rPr lang="en-US" sz="2800" b="0" i="0" u="none" strike="noStrike" cap="none" dirty="0" smtClean="0">
+                <a:solidFill>
+                  <a:srgbClr val="25222C"/>
+                </a:solidFill>
+                <a:sym typeface="Arial"/>
+              </a:rPr>
+              <a:t>}}</a:t>
             </a:r>
             <a:endParaRPr lang="en-US" sz="2800" dirty="0"/>
           </a:p>
@@ -11287,12 +11337,28 @@
               <a:buNone/>
             </a:pPr>
             <a:r>
-              <a:rPr lang="en-US" sz="3200" dirty="0" err="1">
+              <a:rPr lang="en-US" sz="3200" dirty="0" smtClean="0">
+                <a:solidFill>
+                  <a:srgbClr val="25222C"/>
+                </a:solidFill>
+              </a:rPr>
+              <a:t>{{</a:t>
+            </a:r>
+            <a:r>
+              <a:rPr lang="en-US" sz="3200" dirty="0" err="1" smtClean="0">
                 <a:solidFill>
                   <a:srgbClr val="25222C"/>
                 </a:solidFill>
               </a:rPr>
               <a:t>final_stage</a:t>
+            </a:r>
+            <a:r>
+              <a:rPr lang="en-US" sz="3200" dirty="0" smtClean="0">
+                <a:solidFill>
+                  <a:srgbClr val="25222C"/>
+                </a:solidFill>
+              </a:rPr>
+              <a:t>}}</a:t>
             </a:r>
             <a:endParaRPr sz="1800" dirty="0"/>
           </a:p>
@@ -11307,7 +11373,7 @@
         <p:spPr>
           <a:xfrm>
             <a:off x="17906847" y="11107421"/>
-            <a:ext cx="3649067" cy="533479"/>
+            <a:ext cx="4353711" cy="533479"/>
           </a:xfrm>
           <a:prstGeom prst="rect">
             <a:avLst/>
@@ -11341,7 +11407,7 @@
               <a:buNone/>
             </a:pPr>
             <a:r>
-              <a:rPr lang="en-US" sz="2800" b="0" i="0" u="none" strike="noStrike" cap="none" dirty="0" err="1">
+              <a:rPr lang="en-US" sz="2800" b="0" i="0" u="none" strike="noStrike" cap="none" dirty="0" smtClean="0">
                 <a:solidFill>
                   <a:srgbClr val="25222C"/>
                 </a:solidFill>
@@ -11350,7 +11416,31 @@
                 <a:cs typeface="Arial"/>
                 <a:sym typeface="Arial"/>
               </a:rPr>
-              <a:t>final_stage_discription</a:t>
+              <a:t>{{</a:t>
+            </a:r>
+            <a:r>
+              <a:rPr lang="en-US" sz="2800" b="0" i="0" u="none" strike="noStrike" cap="none" dirty="0" err="1" smtClean="0">
+                <a:solidFill>
+                  <a:srgbClr val="25222C"/>
+                </a:solidFill>
+                <a:latin typeface="Arial"/>
+                <a:ea typeface="Arial"/>
+                <a:cs typeface="Arial"/>
+                <a:sym typeface="Arial"/>
+              </a:rPr>
+              <a:t>final_stage_description</a:t>
+            </a:r>
+            <a:r>
+              <a:rPr lang="en-US" sz="2800" b="0" i="0" u="none" strike="noStrike" cap="none" dirty="0" smtClean="0">
+                <a:solidFill>
+                  <a:srgbClr val="25222C"/>
+                </a:solidFill>
+                <a:latin typeface="Arial"/>
+                <a:ea typeface="Arial"/>
+                <a:cs typeface="Arial"/>
+                <a:sym typeface="Arial"/>
+              </a:rPr>
+              <a:t>}}</a:t>
             </a:r>
             <a:endParaRPr sz="1800" dirty="0"/>
           </a:p>
@@ -13254,7 +13344,7 @@
           <p:cNvPr id="6" name="Google Shape;117;p6">
             <a:extLst>
               <a:ext uri="{FF2B5EF4-FFF2-40B4-BE49-F238E27FC236}">
-                <a16:creationId xmlns:a16="http://schemas.microsoft.com/office/drawing/2014/main" xmlns="" id="{FCDABD42-3434-4A4E-A543-5C88770123A1}"/>
+                <a16:creationId xmlns="" xmlns:a16="http://schemas.microsoft.com/office/drawing/2014/main" id="{FCDABD42-3434-4A4E-A543-5C88770123A1}"/>
               </a:ext>
             </a:extLst>
           </p:cNvPr>
@@ -13310,7 +13400,7 @@
           <p:cNvPr id="8" name="Google Shape;117;p6">
             <a:extLst>
               <a:ext uri="{FF2B5EF4-FFF2-40B4-BE49-F238E27FC236}">
-                <a16:creationId xmlns:a16="http://schemas.microsoft.com/office/drawing/2014/main" xmlns="" id="{D420058D-247B-44EB-9F88-DAB7F8184512}"/>
+                <a16:creationId xmlns="" xmlns:a16="http://schemas.microsoft.com/office/drawing/2014/main" id="{D420058D-247B-44EB-9F88-DAB7F8184512}"/>
               </a:ext>
             </a:extLst>
           </p:cNvPr>
@@ -13366,7 +13456,7 @@
           <p:cNvPr id="9" name="Google Shape;117;p6">
             <a:extLst>
               <a:ext uri="{FF2B5EF4-FFF2-40B4-BE49-F238E27FC236}">
-                <a16:creationId xmlns:a16="http://schemas.microsoft.com/office/drawing/2014/main" xmlns="" id="{09AD5D8B-A947-4AC1-BE0C-75BE8FA56AE7}"/>
+                <a16:creationId xmlns="" xmlns:a16="http://schemas.microsoft.com/office/drawing/2014/main" id="{09AD5D8B-A947-4AC1-BE0C-75BE8FA56AE7}"/>
               </a:ext>
             </a:extLst>
           </p:cNvPr>
@@ -13422,7 +13512,7 @@
           <p:cNvPr id="2" name="Прямоугольник 1">
             <a:extLst>
               <a:ext uri="{FF2B5EF4-FFF2-40B4-BE49-F238E27FC236}">
-                <a16:creationId xmlns:a16="http://schemas.microsoft.com/office/drawing/2014/main" xmlns="" id="{BEE5781B-3F9B-4554-B617-4B94F36DC2EB}"/>
+                <a16:creationId xmlns="" xmlns:a16="http://schemas.microsoft.com/office/drawing/2014/main" id="{BEE5781B-3F9B-4554-B617-4B94F36DC2EB}"/>
               </a:ext>
             </a:extLst>
           </p:cNvPr>
@@ -13472,7 +13562,7 @@
           <p:cNvPr id="11" name="Прямоугольник 10">
             <a:extLst>
               <a:ext uri="{FF2B5EF4-FFF2-40B4-BE49-F238E27FC236}">
-                <a16:creationId xmlns:a16="http://schemas.microsoft.com/office/drawing/2014/main" xmlns="" id="{FDD37C5B-323F-4075-B7B6-4CCC37FFE498}"/>
+                <a16:creationId xmlns="" xmlns:a16="http://schemas.microsoft.com/office/drawing/2014/main" id="{FDD37C5B-323F-4075-B7B6-4CCC37FFE498}"/>
               </a:ext>
             </a:extLst>
           </p:cNvPr>
@@ -13530,7 +13620,7 @@
           <p:cNvPr id="12" name="Прямоугольник 11">
             <a:extLst>
               <a:ext uri="{FF2B5EF4-FFF2-40B4-BE49-F238E27FC236}">
-                <a16:creationId xmlns:a16="http://schemas.microsoft.com/office/drawing/2014/main" xmlns="" id="{F5EDD00D-4DEC-4573-8AEA-2696B0B87D39}"/>
+                <a16:creationId xmlns="" xmlns:a16="http://schemas.microsoft.com/office/drawing/2014/main" id="{F5EDD00D-4DEC-4573-8AEA-2696B0B87D39}"/>
               </a:ext>
             </a:extLst>
           </p:cNvPr>
@@ -13588,7 +13678,7 @@
           <p:cNvPr id="13" name="Прямоугольник 12">
             <a:extLst>
               <a:ext uri="{FF2B5EF4-FFF2-40B4-BE49-F238E27FC236}">
-                <a16:creationId xmlns:a16="http://schemas.microsoft.com/office/drawing/2014/main" xmlns="" id="{2F7BDA44-00DA-4484-BBC3-DAC92F563ADB}"/>
+                <a16:creationId xmlns="" xmlns:a16="http://schemas.microsoft.com/office/drawing/2014/main" id="{2F7BDA44-00DA-4484-BBC3-DAC92F563ADB}"/>
               </a:ext>
             </a:extLst>
           </p:cNvPr>
@@ -13646,7 +13736,7 @@
           <p:cNvPr id="15" name="TextBox 14">
             <a:extLst>
               <a:ext uri="{FF2B5EF4-FFF2-40B4-BE49-F238E27FC236}">
-                <a16:creationId xmlns:a16="http://schemas.microsoft.com/office/drawing/2014/main" xmlns="" id="{2C1C1477-D126-4ECC-A498-56AEA65D9199}"/>
+                <a16:creationId xmlns="" xmlns:a16="http://schemas.microsoft.com/office/drawing/2014/main" id="{2C1C1477-D126-4ECC-A498-56AEA65D9199}"/>
               </a:ext>
             </a:extLst>
           </p:cNvPr>
@@ -13681,7 +13771,7 @@
           <p:cNvPr id="16" name="TextBox 15">
             <a:extLst>
               <a:ext uri="{FF2B5EF4-FFF2-40B4-BE49-F238E27FC236}">
-                <a16:creationId xmlns:a16="http://schemas.microsoft.com/office/drawing/2014/main" xmlns="" id="{278B8600-A5A2-407F-AF94-F5A7F67BFB56}"/>
+                <a16:creationId xmlns="" xmlns:a16="http://schemas.microsoft.com/office/drawing/2014/main" id="{278B8600-A5A2-407F-AF94-F5A7F67BFB56}"/>
               </a:ext>
             </a:extLst>
           </p:cNvPr>
@@ -13716,7 +13806,7 @@
           <p:cNvPr id="17" name="TextBox 16">
             <a:extLst>
               <a:ext uri="{FF2B5EF4-FFF2-40B4-BE49-F238E27FC236}">
-                <a16:creationId xmlns:a16="http://schemas.microsoft.com/office/drawing/2014/main" xmlns="" id="{A7B3873E-3218-4006-9F68-3091F0D74261}"/>
+                <a16:creationId xmlns="" xmlns:a16="http://schemas.microsoft.com/office/drawing/2014/main" id="{A7B3873E-3218-4006-9F68-3091F0D74261}"/>
               </a:ext>
             </a:extLst>
           </p:cNvPr>
@@ -13751,7 +13841,7 @@
           <p:cNvPr id="18" name="TextBox 17">
             <a:extLst>
               <a:ext uri="{FF2B5EF4-FFF2-40B4-BE49-F238E27FC236}">
-                <a16:creationId xmlns:a16="http://schemas.microsoft.com/office/drawing/2014/main" xmlns="" id="{46871F52-A53E-4492-BFF5-7CBE2253FB1A}"/>
+                <a16:creationId xmlns="" xmlns:a16="http://schemas.microsoft.com/office/drawing/2014/main" id="{46871F52-A53E-4492-BFF5-7CBE2253FB1A}"/>
               </a:ext>
             </a:extLst>
           </p:cNvPr>
@@ -13936,7 +14026,7 @@
           <p:cNvPr id="6" name="TextBox 5">
             <a:extLst>
               <a:ext uri="{FF2B5EF4-FFF2-40B4-BE49-F238E27FC236}">
-                <a16:creationId xmlns:a16="http://schemas.microsoft.com/office/drawing/2014/main" xmlns="" id="{860495F9-B16B-4A71-AE9A-31B3F8F03793}"/>
+                <a16:creationId xmlns="" xmlns:a16="http://schemas.microsoft.com/office/drawing/2014/main" id="{860495F9-B16B-4A71-AE9A-31B3F8F03793}"/>
               </a:ext>
             </a:extLst>
           </p:cNvPr>
@@ -13945,7 +14035,7 @@
         </p:nvSpPr>
         <p:spPr>
           <a:xfrm>
-            <a:off x="6734908" y="2187448"/>
+            <a:off x="6858001" y="2187448"/>
             <a:ext cx="12203722" cy="523220"/>
           </a:xfrm>
           <a:prstGeom prst="rect">
